--- a/IM/TP5/AwaiPres.pptx
+++ b/IM/TP5/AwaiPres.pptx
@@ -5,7 +5,7 @@
     <p:sldMasterId id="2147483648" r:id="rId1"/>
   </p:sldMasterIdLst>
   <p:notesMasterIdLst>
-    <p:notesMasterId r:id="rId9"/>
+    <p:notesMasterId r:id="rId8"/>
   </p:notesMasterIdLst>
   <p:sldIdLst>
     <p:sldId id="256" r:id="rId2"/>
@@ -13,8 +13,7 @@
     <p:sldId id="257" r:id="rId4"/>
     <p:sldId id="260" r:id="rId5"/>
     <p:sldId id="261" r:id="rId6"/>
-    <p:sldId id="262" r:id="rId7"/>
-    <p:sldId id="263" r:id="rId8"/>
+    <p:sldId id="263" r:id="rId7"/>
   </p:sldIdLst>
   <p:sldSz cx="9144000" cy="6858000" type="screen4x3"/>
   <p:notesSz cx="6858000" cy="9144000"/>
@@ -198,7 +197,7 @@
           <a:p>
             <a:fld id="{662DB91D-774C-7449-AB24-306C4173DAB0}" type="datetimeFigureOut">
               <a:rPr lang="fr-FR" smtClean="0"/>
-              <a:t>07/04/15</a:t>
+              <a:t>08/04/15</a:t>
             </a:fld>
             <a:endParaRPr lang="fr-FR"/>
           </a:p>
@@ -634,90 +633,6 @@
 </p:notes>
 </file>
 
-<file path=ppt/notesSlides/notesSlide3.xml><?xml version="1.0" encoding="utf-8"?>
-<p:notes xmlns:a="http://schemas.openxmlformats.org/drawingml/2006/main" xmlns:r="http://schemas.openxmlformats.org/officeDocument/2006/relationships" xmlns:p="http://schemas.openxmlformats.org/presentationml/2006/main">
-  <p:cSld>
-    <p:spTree>
-      <p:nvGrpSpPr>
-        <p:cNvPr id="1" name=""/>
-        <p:cNvGrpSpPr/>
-        <p:nvPr/>
-      </p:nvGrpSpPr>
-      <p:grpSpPr>
-        <a:xfrm>
-          <a:off x="0" y="0"/>
-          <a:ext cx="0" cy="0"/>
-          <a:chOff x="0" y="0"/>
-          <a:chExt cx="0" cy="0"/>
-        </a:xfrm>
-      </p:grpSpPr>
-      <p:sp>
-        <p:nvSpPr>
-          <p:cNvPr id="2" name="Espace réservé de l'image des diapositives 1"/>
-          <p:cNvSpPr>
-            <a:spLocks noGrp="1" noRot="1" noChangeAspect="1"/>
-          </p:cNvSpPr>
-          <p:nvPr>
-            <p:ph type="sldImg"/>
-          </p:nvPr>
-        </p:nvSpPr>
-        <p:spPr/>
-      </p:sp>
-      <p:sp>
-        <p:nvSpPr>
-          <p:cNvPr id="3" name="Espace réservé des commentaires 2"/>
-          <p:cNvSpPr>
-            <a:spLocks noGrp="1"/>
-          </p:cNvSpPr>
-          <p:nvPr>
-            <p:ph type="body" idx="1"/>
-          </p:nvPr>
-        </p:nvSpPr>
-        <p:spPr/>
-        <p:txBody>
-          <a:bodyPr/>
-          <a:lstStyle/>
-          <a:p>
-            <a:endParaRPr lang="fr-FR" dirty="0"/>
-          </a:p>
-        </p:txBody>
-      </p:sp>
-      <p:sp>
-        <p:nvSpPr>
-          <p:cNvPr id="4" name="Espace réservé du numéro de diapositive 3"/>
-          <p:cNvSpPr>
-            <a:spLocks noGrp="1"/>
-          </p:cNvSpPr>
-          <p:nvPr>
-            <p:ph type="sldNum" sz="quarter" idx="10"/>
-          </p:nvPr>
-        </p:nvSpPr>
-        <p:spPr/>
-        <p:txBody>
-          <a:bodyPr/>
-          <a:lstStyle/>
-          <a:p>
-            <a:fld id="{F8DCC4C4-00A9-4A45-945D-4DDB996BDF1D}" type="slidenum">
-              <a:rPr lang="fr-FR" smtClean="0"/>
-              <a:t>6</a:t>
-            </a:fld>
-            <a:endParaRPr lang="fr-FR"/>
-          </a:p>
-        </p:txBody>
-      </p:sp>
-    </p:spTree>
-    <p:extLst>
-      <p:ext uri="{BB962C8B-B14F-4D97-AF65-F5344CB8AC3E}">
-        <p14:creationId xmlns:p14="http://schemas.microsoft.com/office/powerpoint/2010/main" val="1075766073"/>
-      </p:ext>
-    </p:extLst>
-  </p:cSld>
-  <p:clrMapOvr>
-    <a:masterClrMapping/>
-  </p:clrMapOvr>
-</p:notes>
-</file>
-
 <file path=ppt/slideLayouts/slideLayout1.xml><?xml version="1.0" encoding="utf-8"?>
 <p:sldLayout xmlns:a="http://schemas.openxmlformats.org/drawingml/2006/main" xmlns:r="http://schemas.openxmlformats.org/officeDocument/2006/relationships" xmlns:p="http://schemas.openxmlformats.org/presentationml/2006/main" type="title" preserve="1">
   <p:cSld name="Diapositive de titre">
@@ -899,7 +814,7 @@
           <a:p>
             <a:fld id="{6A49F1D1-51C8-EC4A-B541-75325EE3DD94}" type="datetimeFigureOut">
               <a:rPr lang="fr-FR" smtClean="0"/>
-              <a:t>07/04/15</a:t>
+              <a:t>08/04/15</a:t>
             </a:fld>
             <a:endParaRPr lang="fr-FR"/>
           </a:p>
@@ -1069,7 +984,7 @@
           <a:p>
             <a:fld id="{6A49F1D1-51C8-EC4A-B541-75325EE3DD94}" type="datetimeFigureOut">
               <a:rPr lang="fr-FR" smtClean="0"/>
-              <a:t>07/04/15</a:t>
+              <a:t>08/04/15</a:t>
             </a:fld>
             <a:endParaRPr lang="fr-FR"/>
           </a:p>
@@ -1249,7 +1164,7 @@
           <a:p>
             <a:fld id="{6A49F1D1-51C8-EC4A-B541-75325EE3DD94}" type="datetimeFigureOut">
               <a:rPr lang="fr-FR" smtClean="0"/>
-              <a:t>07/04/15</a:t>
+              <a:t>08/04/15</a:t>
             </a:fld>
             <a:endParaRPr lang="fr-FR"/>
           </a:p>
@@ -1419,7 +1334,7 @@
           <a:p>
             <a:fld id="{6A49F1D1-51C8-EC4A-B541-75325EE3DD94}" type="datetimeFigureOut">
               <a:rPr lang="fr-FR" smtClean="0"/>
-              <a:t>07/04/15</a:t>
+              <a:t>08/04/15</a:t>
             </a:fld>
             <a:endParaRPr lang="fr-FR"/>
           </a:p>
@@ -1665,7 +1580,7 @@
           <a:p>
             <a:fld id="{6A49F1D1-51C8-EC4A-B541-75325EE3DD94}" type="datetimeFigureOut">
               <a:rPr lang="fr-FR" smtClean="0"/>
-              <a:t>07/04/15</a:t>
+              <a:t>08/04/15</a:t>
             </a:fld>
             <a:endParaRPr lang="fr-FR"/>
           </a:p>
@@ -1953,7 +1868,7 @@
           <a:p>
             <a:fld id="{6A49F1D1-51C8-EC4A-B541-75325EE3DD94}" type="datetimeFigureOut">
               <a:rPr lang="fr-FR" smtClean="0"/>
-              <a:t>07/04/15</a:t>
+              <a:t>08/04/15</a:t>
             </a:fld>
             <a:endParaRPr lang="fr-FR"/>
           </a:p>
@@ -2375,7 +2290,7 @@
           <a:p>
             <a:fld id="{6A49F1D1-51C8-EC4A-B541-75325EE3DD94}" type="datetimeFigureOut">
               <a:rPr lang="fr-FR" smtClean="0"/>
-              <a:t>07/04/15</a:t>
+              <a:t>08/04/15</a:t>
             </a:fld>
             <a:endParaRPr lang="fr-FR"/>
           </a:p>
@@ -2493,7 +2408,7 @@
           <a:p>
             <a:fld id="{6A49F1D1-51C8-EC4A-B541-75325EE3DD94}" type="datetimeFigureOut">
               <a:rPr lang="fr-FR" smtClean="0"/>
-              <a:t>07/04/15</a:t>
+              <a:t>08/04/15</a:t>
             </a:fld>
             <a:endParaRPr lang="fr-FR"/>
           </a:p>
@@ -2588,7 +2503,7 @@
           <a:p>
             <a:fld id="{6A49F1D1-51C8-EC4A-B541-75325EE3DD94}" type="datetimeFigureOut">
               <a:rPr lang="fr-FR" smtClean="0"/>
-              <a:t>07/04/15</a:t>
+              <a:t>08/04/15</a:t>
             </a:fld>
             <a:endParaRPr lang="fr-FR"/>
           </a:p>
@@ -2865,7 +2780,7 @@
           <a:p>
             <a:fld id="{6A49F1D1-51C8-EC4A-B541-75325EE3DD94}" type="datetimeFigureOut">
               <a:rPr lang="fr-FR" smtClean="0"/>
-              <a:t>07/04/15</a:t>
+              <a:t>08/04/15</a:t>
             </a:fld>
             <a:endParaRPr lang="fr-FR"/>
           </a:p>
@@ -3118,7 +3033,7 @@
           <a:p>
             <a:fld id="{6A49F1D1-51C8-EC4A-B541-75325EE3DD94}" type="datetimeFigureOut">
               <a:rPr lang="fr-FR" smtClean="0"/>
-              <a:t>07/04/15</a:t>
+              <a:t>08/04/15</a:t>
             </a:fld>
             <a:endParaRPr lang="fr-FR"/>
           </a:p>
@@ -3334,7 +3249,7 @@
           <a:p>
             <a:fld id="{6A49F1D1-51C8-EC4A-B541-75325EE3DD94}" type="datetimeFigureOut">
               <a:rPr lang="fr-FR" smtClean="0"/>
-              <a:t>07/04/15</a:t>
+              <a:t>08/04/15</a:t>
             </a:fld>
             <a:endParaRPr lang="fr-FR"/>
           </a:p>
@@ -4178,7 +4093,7 @@
         </p:nvSpPr>
         <p:spPr>
           <a:xfrm>
-            <a:off x="2095500" y="2152650"/>
+            <a:off x="2095500" y="2368550"/>
             <a:ext cx="5041900" cy="698500"/>
           </a:xfrm>
           <a:prstGeom prst="roundRect">
@@ -4237,7 +4152,7 @@
         </p:nvSpPr>
         <p:spPr>
           <a:xfrm>
-            <a:off x="2095500" y="3003550"/>
+            <a:off x="2095500" y="3219450"/>
             <a:ext cx="5041900" cy="698500"/>
           </a:xfrm>
           <a:prstGeom prst="roundRect">
@@ -4296,7 +4211,7 @@
         </p:nvSpPr>
         <p:spPr>
           <a:xfrm>
-            <a:off x="2095500" y="3854450"/>
+            <a:off x="2095500" y="4070350"/>
             <a:ext cx="5041900" cy="698500"/>
           </a:xfrm>
           <a:prstGeom prst="roundRect">
@@ -4338,65 +4253,6 @@
                 </a:solidFill>
               </a:rPr>
               <a:t>Utilisabilité</a:t>
-            </a:r>
-            <a:endParaRPr lang="fr-FR" sz="3600" dirty="0">
-              <a:solidFill>
-                <a:srgbClr val="444444"/>
-              </a:solidFill>
-            </a:endParaRPr>
-          </a:p>
-        </p:txBody>
-      </p:sp>
-      <p:sp>
-        <p:nvSpPr>
-          <p:cNvPr id="8" name="Rectangle à coins arrondis 7"/>
-          <p:cNvSpPr/>
-          <p:nvPr/>
-        </p:nvSpPr>
-        <p:spPr>
-          <a:xfrm>
-            <a:off x="2095500" y="4705350"/>
-            <a:ext cx="5041900" cy="698500"/>
-          </a:xfrm>
-          <a:prstGeom prst="roundRect">
-            <a:avLst/>
-          </a:prstGeom>
-          <a:solidFill>
-            <a:srgbClr val="C0D4ED"/>
-          </a:solidFill>
-          <a:ln w="3175" cmpd="sng">
-            <a:solidFill>
-              <a:srgbClr val="444444"/>
-            </a:solidFill>
-          </a:ln>
-          <a:effectLst/>
-        </p:spPr>
-        <p:style>
-          <a:lnRef idx="1">
-            <a:schemeClr val="accent1"/>
-          </a:lnRef>
-          <a:fillRef idx="3">
-            <a:schemeClr val="accent1"/>
-          </a:fillRef>
-          <a:effectRef idx="2">
-            <a:schemeClr val="accent1"/>
-          </a:effectRef>
-          <a:fontRef idx="minor">
-            <a:schemeClr val="lt1"/>
-          </a:fontRef>
-        </p:style>
-        <p:txBody>
-          <a:bodyPr rtlCol="0" anchor="ctr"/>
-          <a:lstStyle/>
-          <a:p>
-            <a:pPr algn="ctr"/>
-            <a:r>
-              <a:rPr lang="fr-FR" sz="3600" dirty="0" smtClean="0">
-                <a:solidFill>
-                  <a:srgbClr val="444444"/>
-                </a:solidFill>
-              </a:rPr>
-              <a:t>Aides à l’utilisation</a:t>
             </a:r>
             <a:endParaRPr lang="fr-FR" sz="3600" dirty="0">
               <a:solidFill>
@@ -4668,8 +4524,13 @@
             </a:r>
             <a:r>
               <a:rPr lang="fr-FR" b="1" dirty="0" smtClean="0"/>
-              <a:t>utilisateurs lointains</a:t>
-            </a:r>
+              <a:t>utilisateurs </a:t>
+            </a:r>
+            <a:r>
+              <a:rPr lang="fr-FR" b="1" dirty="0" smtClean="0"/>
+              <a:t>éloignés </a:t>
+            </a:r>
+            <a:endParaRPr lang="fr-FR" b="1" dirty="0" smtClean="0"/>
           </a:p>
           <a:p>
             <a:pPr marL="285750" indent="-285750">
@@ -4693,23 +4554,31 @@
             </a:r>
             <a:r>
               <a:rPr lang="fr-FR" dirty="0" smtClean="0"/>
-              <a:t>systèmes existants (</a:t>
-            </a:r>
-            <a:r>
-              <a:rPr lang="fr-FR" dirty="0" err="1" smtClean="0"/>
-              <a:t>skype</a:t>
+              <a:t>systèmes existants </a:t>
+            </a:r>
+            <a:r>
+              <a:rPr lang="fr-FR" dirty="0" smtClean="0"/>
+              <a:t>(</a:t>
+            </a:r>
+            <a:r>
+              <a:rPr lang="fr-FR" dirty="0"/>
+              <a:t>S</a:t>
+            </a:r>
+            <a:r>
+              <a:rPr lang="fr-FR" dirty="0" smtClean="0"/>
+              <a:t>kype</a:t>
             </a:r>
             <a:r>
               <a:rPr lang="fr-FR" dirty="0" smtClean="0"/>
               <a:t>, </a:t>
             </a:r>
             <a:r>
-              <a:rPr lang="fr-FR" dirty="0" err="1" smtClean="0"/>
-              <a:t>facebook</a:t>
-            </a:r>
-            <a:r>
               <a:rPr lang="fr-FR" dirty="0" smtClean="0"/>
-              <a:t>,..) </a:t>
+              <a:t>Facebook,</a:t>
+            </a:r>
+            <a:r>
+              <a:rPr lang="fr-FR" dirty="0" smtClean="0"/>
+              <a:t>..) </a:t>
             </a:r>
             <a:r>
               <a:rPr lang="fr-FR" dirty="0"/>
@@ -4717,12 +4586,17 @@
             </a:r>
             <a:r>
               <a:rPr lang="fr-FR" b="1" dirty="0"/>
-              <a:t>une seule application</a:t>
-            </a:r>
-            <a:r>
-              <a:rPr lang="fr-FR" dirty="0" smtClean="0"/>
-              <a:t>.</a:t>
-            </a:r>
+              <a:t>une seule </a:t>
+            </a:r>
+            <a:r>
+              <a:rPr lang="fr-FR" b="1" dirty="0" smtClean="0"/>
+              <a:t>applicatio</a:t>
+            </a:r>
+            <a:r>
+              <a:rPr lang="fr-FR" dirty="0"/>
+              <a:t>n</a:t>
+            </a:r>
+            <a:endParaRPr lang="fr-FR" dirty="0" smtClean="0"/>
           </a:p>
           <a:p>
             <a:pPr marL="285750" indent="-285750">
@@ -5112,17 +4986,7 @@
                 <a:latin typeface="Mockup"/>
                 <a:cs typeface="Mockup"/>
               </a:rPr>
-              <a:t>Utilisabilité et lois de </a:t>
-            </a:r>
-            <a:r>
-              <a:rPr lang="fr-FR" sz="3600" dirty="0" err="1" smtClean="0">
-                <a:solidFill>
-                  <a:srgbClr val="444444"/>
-                </a:solidFill>
-                <a:latin typeface="Mockup"/>
-                <a:cs typeface="Mockup"/>
-              </a:rPr>
-              <a:t>Gesalt</a:t>
+              <a:t>Utilisabilité</a:t>
             </a:r>
             <a:endParaRPr lang="fr-FR" sz="3600" dirty="0">
               <a:solidFill>
@@ -5196,13 +5060,173 @@
               </a:rPr>
               <a:t>5</a:t>
             </a:r>
-            <a:endParaRPr lang="fr-FR" sz="4000" dirty="0">
-              <a:solidFill>
-                <a:srgbClr val="444444"/>
-              </a:solidFill>
-              <a:latin typeface="Showcard Gothic"/>
-              <a:cs typeface="Showcard Gothic"/>
-            </a:endParaRPr>
+          </a:p>
+        </p:txBody>
+      </p:sp>
+      <p:sp>
+        <p:nvSpPr>
+          <p:cNvPr id="6" name="ZoneTexte 5"/>
+          <p:cNvSpPr txBox="1"/>
+          <p:nvPr/>
+        </p:nvSpPr>
+        <p:spPr>
+          <a:xfrm>
+            <a:off x="482600" y="1809750"/>
+            <a:ext cx="8166100" cy="3970318"/>
+          </a:xfrm>
+          <a:prstGeom prst="rect">
+            <a:avLst/>
+          </a:prstGeom>
+          <a:noFill/>
+        </p:spPr>
+        <p:txBody>
+          <a:bodyPr wrap="square" rtlCol="0">
+            <a:spAutoFit/>
+          </a:bodyPr>
+          <a:lstStyle/>
+          <a:p>
+            <a:pPr marL="285750" indent="-285750">
+              <a:buFont typeface="Courier New"/>
+              <a:buChar char="o"/>
+            </a:pPr>
+            <a:endParaRPr lang="fr-FR" dirty="0" smtClean="0"/>
+          </a:p>
+          <a:p>
+            <a:pPr marL="285750" indent="-285750">
+              <a:buFont typeface="Courier New"/>
+              <a:buChar char="o"/>
+            </a:pPr>
+            <a:r>
+              <a:rPr lang="fr-FR" b="1" dirty="0" smtClean="0"/>
+              <a:t>Facilité d’apprentissage </a:t>
+            </a:r>
+            <a:r>
+              <a:rPr lang="fr-FR" dirty="0" smtClean="0"/>
+              <a:t>: ToolTip, Aides sur toutes les pages</a:t>
+            </a:r>
+            <a:r>
+              <a:rPr lang="fr-FR" b="1" dirty="0" smtClean="0"/>
+              <a:t> </a:t>
+            </a:r>
+          </a:p>
+          <a:p>
+            <a:endParaRPr lang="fr-FR" b="1" dirty="0" smtClean="0"/>
+          </a:p>
+          <a:p>
+            <a:pPr marL="285750" indent="-285750">
+              <a:buFont typeface="Courier New"/>
+              <a:buChar char="o"/>
+            </a:pPr>
+            <a:endParaRPr lang="fr-FR" dirty="0" smtClean="0"/>
+          </a:p>
+          <a:p>
+            <a:pPr marL="285750" indent="-285750">
+              <a:buFont typeface="Courier New"/>
+              <a:buChar char="o"/>
+            </a:pPr>
+            <a:r>
+              <a:rPr lang="fr-FR" b="1" dirty="0" smtClean="0"/>
+              <a:t>Facilité d’appropriation </a:t>
+            </a:r>
+            <a:r>
+              <a:rPr lang="fr-FR" dirty="0" smtClean="0"/>
+              <a:t>: Ic</a:t>
+            </a:r>
+            <a:r>
+              <a:rPr lang="fr-FR" dirty="0" smtClean="0"/>
+              <a:t>ô</a:t>
+            </a:r>
+            <a:r>
+              <a:rPr lang="fr-FR" dirty="0" smtClean="0"/>
+              <a:t>nes significatives, </a:t>
+            </a:r>
+            <a:r>
+              <a:rPr lang="fr-FR" dirty="0" smtClean="0"/>
+              <a:t>b</a:t>
+            </a:r>
+            <a:r>
+              <a:rPr lang="fr-FR" dirty="0" smtClean="0"/>
+              <a:t>ase de navigation permanente </a:t>
+            </a:r>
+            <a:endParaRPr lang="fr-FR" b="1" dirty="0" smtClean="0"/>
+          </a:p>
+          <a:p>
+            <a:endParaRPr lang="fr-FR" b="1" dirty="0" smtClean="0"/>
+          </a:p>
+          <a:p>
+            <a:pPr marL="285750" indent="-285750">
+              <a:buFont typeface="Courier New"/>
+              <a:buChar char="o"/>
+            </a:pPr>
+            <a:endParaRPr lang="fr-FR" dirty="0"/>
+          </a:p>
+          <a:p>
+            <a:pPr marL="285750" indent="-285750">
+              <a:buFont typeface="Courier New"/>
+              <a:buChar char="o"/>
+            </a:pPr>
+            <a:r>
+              <a:rPr lang="fr-FR" b="1" dirty="0" smtClean="0"/>
+              <a:t>Fiabilité </a:t>
+            </a:r>
+            <a:r>
+              <a:rPr lang="fr-FR" dirty="0" smtClean="0"/>
+              <a:t>: Gestion des erreurs</a:t>
+            </a:r>
+          </a:p>
+          <a:p>
+            <a:endParaRPr lang="fr-FR" dirty="0"/>
+          </a:p>
+          <a:p>
+            <a:endParaRPr lang="fr-FR" dirty="0" smtClean="0"/>
+          </a:p>
+          <a:p>
+            <a:pPr marL="285750" indent="-285750">
+              <a:buFont typeface="Courier New"/>
+              <a:buChar char="o"/>
+            </a:pPr>
+            <a:r>
+              <a:rPr lang="fr-FR" b="1" dirty="0" smtClean="0"/>
+              <a:t>Efficience </a:t>
+            </a:r>
+            <a:r>
+              <a:rPr lang="fr-FR" dirty="0" smtClean="0"/>
+              <a:t>: Changement de fonctionnalité possible sur chaque fen</a:t>
+            </a:r>
+            <a:r>
+              <a:rPr lang="fr-FR" dirty="0" smtClean="0"/>
+              <a:t>être et rapide</a:t>
+            </a:r>
+            <a:endParaRPr lang="fr-FR" dirty="0" smtClean="0"/>
+          </a:p>
+          <a:p>
+            <a:endParaRPr lang="fr-FR" b="1" dirty="0" smtClean="0"/>
+          </a:p>
+          <a:p>
+            <a:pPr marL="285750" indent="-285750">
+              <a:buFont typeface="Courier New"/>
+              <a:buChar char="o"/>
+            </a:pPr>
+            <a:endParaRPr lang="fr-FR" dirty="0"/>
+          </a:p>
+          <a:p>
+            <a:pPr marL="285750" indent="-285750">
+              <a:buFont typeface="Courier New"/>
+              <a:buChar char="o"/>
+            </a:pPr>
+            <a:r>
+              <a:rPr lang="fr-FR" b="1" dirty="0" smtClean="0"/>
+              <a:t>Satisfaction </a:t>
+            </a:r>
+            <a:r>
+              <a:rPr lang="fr-FR" dirty="0" smtClean="0"/>
+              <a:t>: </a:t>
+            </a:r>
+            <a:r>
+              <a:rPr lang="fr-FR" dirty="0" smtClean="0"/>
+              <a:t>Navigation fluide</a:t>
+            </a:r>
+            <a:endParaRPr lang="fr-FR" dirty="0"/>
           </a:p>
         </p:txBody>
       </p:sp>
@@ -5220,187 +5244,6 @@
 </file>
 
 <file path=ppt/slides/slide6.xml><?xml version="1.0" encoding="utf-8"?>
-<p:sld xmlns:a="http://schemas.openxmlformats.org/drawingml/2006/main" xmlns:r="http://schemas.openxmlformats.org/officeDocument/2006/relationships" xmlns:p="http://schemas.openxmlformats.org/presentationml/2006/main">
-  <p:cSld>
-    <p:spTree>
-      <p:nvGrpSpPr>
-        <p:cNvPr id="1" name=""/>
-        <p:cNvGrpSpPr/>
-        <p:nvPr/>
-      </p:nvGrpSpPr>
-      <p:grpSpPr>
-        <a:xfrm>
-          <a:off x="0" y="0"/>
-          <a:ext cx="0" cy="0"/>
-          <a:chOff x="0" y="0"/>
-          <a:chExt cx="0" cy="0"/>
-        </a:xfrm>
-      </p:grpSpPr>
-      <p:cxnSp>
-        <p:nvCxnSpPr>
-          <p:cNvPr id="8" name="Connecteur droit 7"/>
-          <p:cNvCxnSpPr/>
-          <p:nvPr/>
-        </p:nvCxnSpPr>
-        <p:spPr>
-          <a:xfrm>
-            <a:off x="0" y="1117600"/>
-            <a:ext cx="9144000" cy="0"/>
-          </a:xfrm>
-          <a:prstGeom prst="line">
-            <a:avLst/>
-          </a:prstGeom>
-          <a:ln>
-            <a:solidFill>
-              <a:srgbClr val="444444"/>
-            </a:solidFill>
-          </a:ln>
-          <a:effectLst/>
-        </p:spPr>
-        <p:style>
-          <a:lnRef idx="2">
-            <a:schemeClr val="accent1"/>
-          </a:lnRef>
-          <a:fillRef idx="0">
-            <a:schemeClr val="accent1"/>
-          </a:fillRef>
-          <a:effectRef idx="1">
-            <a:schemeClr val="accent1"/>
-          </a:effectRef>
-          <a:fontRef idx="minor">
-            <a:schemeClr val="tx1"/>
-          </a:fontRef>
-        </p:style>
-      </p:cxnSp>
-      <p:sp>
-        <p:nvSpPr>
-          <p:cNvPr id="13" name="ZoneTexte 12"/>
-          <p:cNvSpPr txBox="1"/>
-          <p:nvPr/>
-        </p:nvSpPr>
-        <p:spPr>
-          <a:xfrm>
-            <a:off x="3467100" y="302090"/>
-            <a:ext cx="5448300" cy="646331"/>
-          </a:xfrm>
-          <a:prstGeom prst="rect">
-            <a:avLst/>
-          </a:prstGeom>
-          <a:noFill/>
-        </p:spPr>
-        <p:txBody>
-          <a:bodyPr wrap="square" rtlCol="0">
-            <a:spAutoFit/>
-          </a:bodyPr>
-          <a:lstStyle/>
-          <a:p>
-            <a:pPr algn="r"/>
-            <a:r>
-              <a:rPr lang="fr-FR" sz="3600" dirty="0" smtClean="0">
-                <a:solidFill>
-                  <a:srgbClr val="444444"/>
-                </a:solidFill>
-                <a:latin typeface="Mockup"/>
-                <a:cs typeface="Mockup"/>
-              </a:rPr>
-              <a:t>Aides à l’utilisation</a:t>
-            </a:r>
-            <a:endParaRPr lang="fr-FR" sz="3600" dirty="0">
-              <a:solidFill>
-                <a:srgbClr val="444444"/>
-              </a:solidFill>
-              <a:latin typeface="Mockup"/>
-              <a:cs typeface="Mockup"/>
-            </a:endParaRPr>
-          </a:p>
-        </p:txBody>
-      </p:sp>
-      <p:pic>
-        <p:nvPicPr>
-          <p:cNvPr id="21" name="Image 20" descr="erreur.png"/>
-          <p:cNvPicPr>
-            <a:picLocks noChangeAspect="1"/>
-          </p:cNvPicPr>
-          <p:nvPr/>
-        </p:nvPicPr>
-        <p:blipFill>
-          <a:blip r:embed="rId3">
-            <a:extLst>
-              <a:ext uri="{28A0092B-C50C-407E-A947-70E740481C1C}">
-                <a14:useLocalDpi xmlns:a14="http://schemas.microsoft.com/office/drawing/2010/main" val="0"/>
-              </a:ext>
-            </a:extLst>
-          </a:blip>
-          <a:stretch>
-            <a:fillRect/>
-          </a:stretch>
-        </p:blipFill>
-        <p:spPr>
-          <a:xfrm>
-            <a:off x="225985" y="703600"/>
-            <a:ext cx="870245" cy="828000"/>
-          </a:xfrm>
-          <a:prstGeom prst="rect">
-            <a:avLst/>
-          </a:prstGeom>
-        </p:spPr>
-      </p:pic>
-      <p:sp>
-        <p:nvSpPr>
-          <p:cNvPr id="6" name="ZoneTexte 5"/>
-          <p:cNvSpPr txBox="1"/>
-          <p:nvPr/>
-        </p:nvSpPr>
-        <p:spPr>
-          <a:xfrm>
-            <a:off x="8516862" y="5969000"/>
-            <a:ext cx="458679" cy="707886"/>
-          </a:xfrm>
-          <a:prstGeom prst="rect">
-            <a:avLst/>
-          </a:prstGeom>
-          <a:noFill/>
-        </p:spPr>
-        <p:txBody>
-          <a:bodyPr wrap="none" rtlCol="0">
-            <a:spAutoFit/>
-          </a:bodyPr>
-          <a:lstStyle/>
-          <a:p>
-            <a:r>
-              <a:rPr lang="fr-FR" sz="4000" dirty="0">
-                <a:solidFill>
-                  <a:srgbClr val="444444"/>
-                </a:solidFill>
-                <a:latin typeface="Showcard Gothic"/>
-                <a:cs typeface="Showcard Gothic"/>
-              </a:rPr>
-              <a:t>6</a:t>
-            </a:r>
-            <a:endParaRPr lang="fr-FR" sz="4000" dirty="0">
-              <a:solidFill>
-                <a:srgbClr val="444444"/>
-              </a:solidFill>
-              <a:latin typeface="Showcard Gothic"/>
-              <a:cs typeface="Showcard Gothic"/>
-            </a:endParaRPr>
-          </a:p>
-        </p:txBody>
-      </p:sp>
-    </p:spTree>
-    <p:extLst>
-      <p:ext uri="{BB962C8B-B14F-4D97-AF65-F5344CB8AC3E}">
-        <p14:creationId xmlns:p14="http://schemas.microsoft.com/office/powerpoint/2010/main" val="871030037"/>
-      </p:ext>
-    </p:extLst>
-  </p:cSld>
-  <p:clrMapOvr>
-    <a:masterClrMapping/>
-  </p:clrMapOvr>
-</p:sld>
-</file>
-
-<file path=ppt/slides/slide7.xml><?xml version="1.0" encoding="utf-8"?>
 <p:sld xmlns:a="http://schemas.openxmlformats.org/drawingml/2006/main" xmlns:r="http://schemas.openxmlformats.org/officeDocument/2006/relationships" xmlns:p="http://schemas.openxmlformats.org/presentationml/2006/main">
   <p:cSld>
     <p:spTree>

--- a/IM/TP5/AwaiPres.pptx
+++ b/IM/TP5/AwaiPres.pptx
@@ -197,7 +197,7 @@
           <a:p>
             <a:fld id="{662DB91D-774C-7449-AB24-306C4173DAB0}" type="datetimeFigureOut">
               <a:rPr lang="fr-FR" smtClean="0"/>
-              <a:t>08/04/15</a:t>
+              <a:t>08/04/2015</a:t>
             </a:fld>
             <a:endParaRPr lang="fr-FR"/>
           </a:p>
@@ -356,7 +356,7 @@
           <a:p>
             <a:fld id="{F8DCC4C4-00A9-4A45-945D-4DDB996BDF1D}" type="slidenum">
               <a:rPr lang="fr-FR" smtClean="0"/>
-              <a:t>‹#›</a:t>
+              <a:t>‹N°›</a:t>
             </a:fld>
             <a:endParaRPr lang="fr-FR"/>
           </a:p>
@@ -814,7 +814,7 @@
           <a:p>
             <a:fld id="{6A49F1D1-51C8-EC4A-B541-75325EE3DD94}" type="datetimeFigureOut">
               <a:rPr lang="fr-FR" smtClean="0"/>
-              <a:t>08/04/15</a:t>
+              <a:t>08/04/2015</a:t>
             </a:fld>
             <a:endParaRPr lang="fr-FR"/>
           </a:p>
@@ -856,7 +856,7 @@
           <a:p>
             <a:fld id="{44BBB1E3-0415-8649-B848-17ED5064A7EB}" type="slidenum">
               <a:rPr lang="fr-FR" smtClean="0"/>
-              <a:t>‹#›</a:t>
+              <a:t>‹N°›</a:t>
             </a:fld>
             <a:endParaRPr lang="fr-FR"/>
           </a:p>
@@ -984,7 +984,7 @@
           <a:p>
             <a:fld id="{6A49F1D1-51C8-EC4A-B541-75325EE3DD94}" type="datetimeFigureOut">
               <a:rPr lang="fr-FR" smtClean="0"/>
-              <a:t>08/04/15</a:t>
+              <a:t>08/04/2015</a:t>
             </a:fld>
             <a:endParaRPr lang="fr-FR"/>
           </a:p>
@@ -1026,7 +1026,7 @@
           <a:p>
             <a:fld id="{44BBB1E3-0415-8649-B848-17ED5064A7EB}" type="slidenum">
               <a:rPr lang="fr-FR" smtClean="0"/>
-              <a:t>‹#›</a:t>
+              <a:t>‹N°›</a:t>
             </a:fld>
             <a:endParaRPr lang="fr-FR"/>
           </a:p>
@@ -1164,7 +1164,7 @@
           <a:p>
             <a:fld id="{6A49F1D1-51C8-EC4A-B541-75325EE3DD94}" type="datetimeFigureOut">
               <a:rPr lang="fr-FR" smtClean="0"/>
-              <a:t>08/04/15</a:t>
+              <a:t>08/04/2015</a:t>
             </a:fld>
             <a:endParaRPr lang="fr-FR"/>
           </a:p>
@@ -1206,7 +1206,7 @@
           <a:p>
             <a:fld id="{44BBB1E3-0415-8649-B848-17ED5064A7EB}" type="slidenum">
               <a:rPr lang="fr-FR" smtClean="0"/>
-              <a:t>‹#›</a:t>
+              <a:t>‹N°›</a:t>
             </a:fld>
             <a:endParaRPr lang="fr-FR"/>
           </a:p>
@@ -1334,7 +1334,7 @@
           <a:p>
             <a:fld id="{6A49F1D1-51C8-EC4A-B541-75325EE3DD94}" type="datetimeFigureOut">
               <a:rPr lang="fr-FR" smtClean="0"/>
-              <a:t>08/04/15</a:t>
+              <a:t>08/04/2015</a:t>
             </a:fld>
             <a:endParaRPr lang="fr-FR"/>
           </a:p>
@@ -1376,7 +1376,7 @@
           <a:p>
             <a:fld id="{44BBB1E3-0415-8649-B848-17ED5064A7EB}" type="slidenum">
               <a:rPr lang="fr-FR" smtClean="0"/>
-              <a:t>‹#›</a:t>
+              <a:t>‹N°›</a:t>
             </a:fld>
             <a:endParaRPr lang="fr-FR"/>
           </a:p>
@@ -1580,7 +1580,7 @@
           <a:p>
             <a:fld id="{6A49F1D1-51C8-EC4A-B541-75325EE3DD94}" type="datetimeFigureOut">
               <a:rPr lang="fr-FR" smtClean="0"/>
-              <a:t>08/04/15</a:t>
+              <a:t>08/04/2015</a:t>
             </a:fld>
             <a:endParaRPr lang="fr-FR"/>
           </a:p>
@@ -1622,7 +1622,7 @@
           <a:p>
             <a:fld id="{44BBB1E3-0415-8649-B848-17ED5064A7EB}" type="slidenum">
               <a:rPr lang="fr-FR" smtClean="0"/>
-              <a:t>‹#›</a:t>
+              <a:t>‹N°›</a:t>
             </a:fld>
             <a:endParaRPr lang="fr-FR"/>
           </a:p>
@@ -1868,7 +1868,7 @@
           <a:p>
             <a:fld id="{6A49F1D1-51C8-EC4A-B541-75325EE3DD94}" type="datetimeFigureOut">
               <a:rPr lang="fr-FR" smtClean="0"/>
-              <a:t>08/04/15</a:t>
+              <a:t>08/04/2015</a:t>
             </a:fld>
             <a:endParaRPr lang="fr-FR"/>
           </a:p>
@@ -1910,7 +1910,7 @@
           <a:p>
             <a:fld id="{44BBB1E3-0415-8649-B848-17ED5064A7EB}" type="slidenum">
               <a:rPr lang="fr-FR" smtClean="0"/>
-              <a:t>‹#›</a:t>
+              <a:t>‹N°›</a:t>
             </a:fld>
             <a:endParaRPr lang="fr-FR"/>
           </a:p>
@@ -2290,7 +2290,7 @@
           <a:p>
             <a:fld id="{6A49F1D1-51C8-EC4A-B541-75325EE3DD94}" type="datetimeFigureOut">
               <a:rPr lang="fr-FR" smtClean="0"/>
-              <a:t>08/04/15</a:t>
+              <a:t>08/04/2015</a:t>
             </a:fld>
             <a:endParaRPr lang="fr-FR"/>
           </a:p>
@@ -2332,7 +2332,7 @@
           <a:p>
             <a:fld id="{44BBB1E3-0415-8649-B848-17ED5064A7EB}" type="slidenum">
               <a:rPr lang="fr-FR" smtClean="0"/>
-              <a:t>‹#›</a:t>
+              <a:t>‹N°›</a:t>
             </a:fld>
             <a:endParaRPr lang="fr-FR"/>
           </a:p>
@@ -2408,7 +2408,7 @@
           <a:p>
             <a:fld id="{6A49F1D1-51C8-EC4A-B541-75325EE3DD94}" type="datetimeFigureOut">
               <a:rPr lang="fr-FR" smtClean="0"/>
-              <a:t>08/04/15</a:t>
+              <a:t>08/04/2015</a:t>
             </a:fld>
             <a:endParaRPr lang="fr-FR"/>
           </a:p>
@@ -2450,7 +2450,7 @@
           <a:p>
             <a:fld id="{44BBB1E3-0415-8649-B848-17ED5064A7EB}" type="slidenum">
               <a:rPr lang="fr-FR" smtClean="0"/>
-              <a:t>‹#›</a:t>
+              <a:t>‹N°›</a:t>
             </a:fld>
             <a:endParaRPr lang="fr-FR"/>
           </a:p>
@@ -2503,7 +2503,7 @@
           <a:p>
             <a:fld id="{6A49F1D1-51C8-EC4A-B541-75325EE3DD94}" type="datetimeFigureOut">
               <a:rPr lang="fr-FR" smtClean="0"/>
-              <a:t>08/04/15</a:t>
+              <a:t>08/04/2015</a:t>
             </a:fld>
             <a:endParaRPr lang="fr-FR"/>
           </a:p>
@@ -2545,7 +2545,7 @@
           <a:p>
             <a:fld id="{44BBB1E3-0415-8649-B848-17ED5064A7EB}" type="slidenum">
               <a:rPr lang="fr-FR" smtClean="0"/>
-              <a:t>‹#›</a:t>
+              <a:t>‹N°›</a:t>
             </a:fld>
             <a:endParaRPr lang="fr-FR"/>
           </a:p>
@@ -2780,7 +2780,7 @@
           <a:p>
             <a:fld id="{6A49F1D1-51C8-EC4A-B541-75325EE3DD94}" type="datetimeFigureOut">
               <a:rPr lang="fr-FR" smtClean="0"/>
-              <a:t>08/04/15</a:t>
+              <a:t>08/04/2015</a:t>
             </a:fld>
             <a:endParaRPr lang="fr-FR"/>
           </a:p>
@@ -2822,7 +2822,7 @@
           <a:p>
             <a:fld id="{44BBB1E3-0415-8649-B848-17ED5064A7EB}" type="slidenum">
               <a:rPr lang="fr-FR" smtClean="0"/>
-              <a:t>‹#›</a:t>
+              <a:t>‹N°›</a:t>
             </a:fld>
             <a:endParaRPr lang="fr-FR"/>
           </a:p>
@@ -3033,7 +3033,7 @@
           <a:p>
             <a:fld id="{6A49F1D1-51C8-EC4A-B541-75325EE3DD94}" type="datetimeFigureOut">
               <a:rPr lang="fr-FR" smtClean="0"/>
-              <a:t>08/04/15</a:t>
+              <a:t>08/04/2015</a:t>
             </a:fld>
             <a:endParaRPr lang="fr-FR"/>
           </a:p>
@@ -3075,7 +3075,7 @@
           <a:p>
             <a:fld id="{44BBB1E3-0415-8649-B848-17ED5064A7EB}" type="slidenum">
               <a:rPr lang="fr-FR" smtClean="0"/>
-              <a:t>‹#›</a:t>
+              <a:t>‹N°›</a:t>
             </a:fld>
             <a:endParaRPr lang="fr-FR"/>
           </a:p>
@@ -3249,7 +3249,7 @@
           <a:p>
             <a:fld id="{6A49F1D1-51C8-EC4A-B541-75325EE3DD94}" type="datetimeFigureOut">
               <a:rPr lang="fr-FR" smtClean="0"/>
-              <a:t>08/04/15</a:t>
+              <a:t>08/04/2015</a:t>
             </a:fld>
             <a:endParaRPr lang="fr-FR"/>
           </a:p>
@@ -3327,7 +3327,7 @@
           <a:p>
             <a:fld id="{44BBB1E3-0415-8649-B848-17ED5064A7EB}" type="slidenum">
               <a:rPr lang="fr-FR" smtClean="0"/>
-              <a:t>‹#›</a:t>
+              <a:t>‹N°›</a:t>
             </a:fld>
             <a:endParaRPr lang="fr-FR"/>
           </a:p>
@@ -4524,13 +4524,8 @@
             </a:r>
             <a:r>
               <a:rPr lang="fr-FR" b="1" dirty="0" smtClean="0"/>
-              <a:t>utilisateurs </a:t>
-            </a:r>
-            <a:r>
-              <a:rPr lang="fr-FR" b="1" dirty="0" smtClean="0"/>
-              <a:t>éloignés </a:t>
-            </a:r>
-            <a:endParaRPr lang="fr-FR" b="1" dirty="0" smtClean="0"/>
+              <a:t>utilisateurs éloignés </a:t>
+            </a:r>
           </a:p>
           <a:p>
             <a:pPr marL="285750" indent="-285750">
@@ -4554,11 +4549,7 @@
             </a:r>
             <a:r>
               <a:rPr lang="fr-FR" dirty="0" smtClean="0"/>
-              <a:t>systèmes existants </a:t>
-            </a:r>
-            <a:r>
-              <a:rPr lang="fr-FR" dirty="0" smtClean="0"/>
-              <a:t>(</a:t>
+              <a:t>systèmes existants (</a:t>
             </a:r>
             <a:r>
               <a:rPr lang="fr-FR" dirty="0"/>
@@ -4566,19 +4557,7 @@
             </a:r>
             <a:r>
               <a:rPr lang="fr-FR" dirty="0" smtClean="0"/>
-              <a:t>kype</a:t>
-            </a:r>
-            <a:r>
-              <a:rPr lang="fr-FR" dirty="0" smtClean="0"/>
-              <a:t>, </a:t>
-            </a:r>
-            <a:r>
-              <a:rPr lang="fr-FR" dirty="0" smtClean="0"/>
-              <a:t>Facebook,</a:t>
-            </a:r>
-            <a:r>
-              <a:rPr lang="fr-FR" dirty="0" smtClean="0"/>
-              <a:t>..) </a:t>
+              <a:t>kype, Facebook,..) </a:t>
             </a:r>
             <a:r>
               <a:rPr lang="fr-FR" dirty="0"/>
@@ -5072,7 +5051,7 @@
         <p:spPr>
           <a:xfrm>
             <a:off x="482600" y="1809750"/>
-            <a:ext cx="8166100" cy="3970318"/>
+            <a:ext cx="8166100" cy="3693319"/>
           </a:xfrm>
           <a:prstGeom prst="rect">
             <a:avLst/>
@@ -5130,23 +5109,7 @@
             </a:r>
             <a:r>
               <a:rPr lang="fr-FR" dirty="0" smtClean="0"/>
-              <a:t>: Ic</a:t>
-            </a:r>
-            <a:r>
-              <a:rPr lang="fr-FR" dirty="0" smtClean="0"/>
-              <a:t>ô</a:t>
-            </a:r>
-            <a:r>
-              <a:rPr lang="fr-FR" dirty="0" smtClean="0"/>
-              <a:t>nes significatives, </a:t>
-            </a:r>
-            <a:r>
-              <a:rPr lang="fr-FR" dirty="0" smtClean="0"/>
-              <a:t>b</a:t>
-            </a:r>
-            <a:r>
-              <a:rPr lang="fr-FR" dirty="0" smtClean="0"/>
-              <a:t>ase de navigation permanente </a:t>
+              <a:t>: Icônes significatives, base de navigation permanente </a:t>
             </a:r>
             <a:endParaRPr lang="fr-FR" b="1" dirty="0" smtClean="0"/>
           </a:p>
@@ -5191,15 +5154,20 @@
             </a:r>
             <a:r>
               <a:rPr lang="fr-FR" dirty="0" smtClean="0"/>
-              <a:t>: Changement de fonctionnalité possible sur chaque fen</a:t>
+              <a:t>: Changement de fonctionnalité possible </a:t>
+            </a:r>
+            <a:r>
+              <a:rPr lang="fr-FR" smtClean="0"/>
+              <a:t>et rapide sur </a:t>
             </a:r>
             <a:r>
               <a:rPr lang="fr-FR" dirty="0" smtClean="0"/>
-              <a:t>être et rapide</a:t>
-            </a:r>
-            <a:endParaRPr lang="fr-FR" dirty="0" smtClean="0"/>
-          </a:p>
-          <a:p>
+              <a:t>chaque </a:t>
+            </a:r>
+            <a:r>
+              <a:rPr lang="fr-FR" dirty="0" smtClean="0"/>
+              <a:t>fenêtre</a:t>
+            </a:r>
             <a:endParaRPr lang="fr-FR" b="1" dirty="0" smtClean="0"/>
           </a:p>
           <a:p>
@@ -5220,11 +5188,7 @@
             </a:r>
             <a:r>
               <a:rPr lang="fr-FR" dirty="0" smtClean="0"/>
-              <a:t>: </a:t>
-            </a:r>
-            <a:r>
-              <a:rPr lang="fr-FR" dirty="0" smtClean="0"/>
-              <a:t>Navigation fluide</a:t>
+              <a:t>: Navigation fluide</a:t>
             </a:r>
             <a:endParaRPr lang="fr-FR" dirty="0"/>
           </a:p>

--- a/IM/TP5/AwaiPres.pptx
+++ b/IM/TP5/AwaiPres.pptx
@@ -5,15 +5,14 @@
     <p:sldMasterId id="2147483648" r:id="rId1"/>
   </p:sldMasterIdLst>
   <p:notesMasterIdLst>
-    <p:notesMasterId r:id="rId8"/>
+    <p:notesMasterId r:id="rId7"/>
   </p:notesMasterIdLst>
   <p:sldIdLst>
     <p:sldId id="256" r:id="rId2"/>
-    <p:sldId id="258" r:id="rId3"/>
-    <p:sldId id="257" r:id="rId4"/>
-    <p:sldId id="260" r:id="rId5"/>
-    <p:sldId id="261" r:id="rId6"/>
-    <p:sldId id="263" r:id="rId7"/>
+    <p:sldId id="257" r:id="rId3"/>
+    <p:sldId id="260" r:id="rId4"/>
+    <p:sldId id="261" r:id="rId5"/>
+    <p:sldId id="263" r:id="rId6"/>
   </p:sldIdLst>
   <p:sldSz cx="9144000" cy="6858000" type="screen4x3"/>
   <p:notesSz cx="6858000" cy="9144000"/>
@@ -197,7 +196,7 @@
           <a:p>
             <a:fld id="{662DB91D-774C-7449-AB24-306C4173DAB0}" type="datetimeFigureOut">
               <a:rPr lang="fr-FR" smtClean="0"/>
-              <a:t>08/04/2015</a:t>
+              <a:t>09/04/15</a:t>
             </a:fld>
             <a:endParaRPr lang="fr-FR"/>
           </a:p>
@@ -356,7 +355,7 @@
           <a:p>
             <a:fld id="{F8DCC4C4-00A9-4A45-945D-4DDB996BDF1D}" type="slidenum">
               <a:rPr lang="fr-FR" smtClean="0"/>
-              <a:t>‹N°›</a:t>
+              <a:t>‹#›</a:t>
             </a:fld>
             <a:endParaRPr lang="fr-FR"/>
           </a:p>
@@ -530,7 +529,7 @@
           <a:p>
             <a:fld id="{F8DCC4C4-00A9-4A45-945D-4DDB996BDF1D}" type="slidenum">
               <a:rPr lang="fr-FR" smtClean="0"/>
-              <a:t>3</a:t>
+              <a:t>2</a:t>
             </a:fld>
             <a:endParaRPr lang="fr-FR"/>
           </a:p>
@@ -614,7 +613,7 @@
           <a:p>
             <a:fld id="{F8DCC4C4-00A9-4A45-945D-4DDB996BDF1D}" type="slidenum">
               <a:rPr lang="fr-FR" smtClean="0"/>
-              <a:t>5</a:t>
+              <a:t>4</a:t>
             </a:fld>
             <a:endParaRPr lang="fr-FR"/>
           </a:p>
@@ -814,7 +813,7 @@
           <a:p>
             <a:fld id="{6A49F1D1-51C8-EC4A-B541-75325EE3DD94}" type="datetimeFigureOut">
               <a:rPr lang="fr-FR" smtClean="0"/>
-              <a:t>08/04/2015</a:t>
+              <a:t>09/04/15</a:t>
             </a:fld>
             <a:endParaRPr lang="fr-FR"/>
           </a:p>
@@ -856,7 +855,7 @@
           <a:p>
             <a:fld id="{44BBB1E3-0415-8649-B848-17ED5064A7EB}" type="slidenum">
               <a:rPr lang="fr-FR" smtClean="0"/>
-              <a:t>‹N°›</a:t>
+              <a:t>‹#›</a:t>
             </a:fld>
             <a:endParaRPr lang="fr-FR"/>
           </a:p>
@@ -984,7 +983,7 @@
           <a:p>
             <a:fld id="{6A49F1D1-51C8-EC4A-B541-75325EE3DD94}" type="datetimeFigureOut">
               <a:rPr lang="fr-FR" smtClean="0"/>
-              <a:t>08/04/2015</a:t>
+              <a:t>09/04/15</a:t>
             </a:fld>
             <a:endParaRPr lang="fr-FR"/>
           </a:p>
@@ -1026,7 +1025,7 @@
           <a:p>
             <a:fld id="{44BBB1E3-0415-8649-B848-17ED5064A7EB}" type="slidenum">
               <a:rPr lang="fr-FR" smtClean="0"/>
-              <a:t>‹N°›</a:t>
+              <a:t>‹#›</a:t>
             </a:fld>
             <a:endParaRPr lang="fr-FR"/>
           </a:p>
@@ -1164,7 +1163,7 @@
           <a:p>
             <a:fld id="{6A49F1D1-51C8-EC4A-B541-75325EE3DD94}" type="datetimeFigureOut">
               <a:rPr lang="fr-FR" smtClean="0"/>
-              <a:t>08/04/2015</a:t>
+              <a:t>09/04/15</a:t>
             </a:fld>
             <a:endParaRPr lang="fr-FR"/>
           </a:p>
@@ -1206,7 +1205,7 @@
           <a:p>
             <a:fld id="{44BBB1E3-0415-8649-B848-17ED5064A7EB}" type="slidenum">
               <a:rPr lang="fr-FR" smtClean="0"/>
-              <a:t>‹N°›</a:t>
+              <a:t>‹#›</a:t>
             </a:fld>
             <a:endParaRPr lang="fr-FR"/>
           </a:p>
@@ -1334,7 +1333,7 @@
           <a:p>
             <a:fld id="{6A49F1D1-51C8-EC4A-B541-75325EE3DD94}" type="datetimeFigureOut">
               <a:rPr lang="fr-FR" smtClean="0"/>
-              <a:t>08/04/2015</a:t>
+              <a:t>09/04/15</a:t>
             </a:fld>
             <a:endParaRPr lang="fr-FR"/>
           </a:p>
@@ -1376,7 +1375,7 @@
           <a:p>
             <a:fld id="{44BBB1E3-0415-8649-B848-17ED5064A7EB}" type="slidenum">
               <a:rPr lang="fr-FR" smtClean="0"/>
-              <a:t>‹N°›</a:t>
+              <a:t>‹#›</a:t>
             </a:fld>
             <a:endParaRPr lang="fr-FR"/>
           </a:p>
@@ -1580,7 +1579,7 @@
           <a:p>
             <a:fld id="{6A49F1D1-51C8-EC4A-B541-75325EE3DD94}" type="datetimeFigureOut">
               <a:rPr lang="fr-FR" smtClean="0"/>
-              <a:t>08/04/2015</a:t>
+              <a:t>09/04/15</a:t>
             </a:fld>
             <a:endParaRPr lang="fr-FR"/>
           </a:p>
@@ -1622,7 +1621,7 @@
           <a:p>
             <a:fld id="{44BBB1E3-0415-8649-B848-17ED5064A7EB}" type="slidenum">
               <a:rPr lang="fr-FR" smtClean="0"/>
-              <a:t>‹N°›</a:t>
+              <a:t>‹#›</a:t>
             </a:fld>
             <a:endParaRPr lang="fr-FR"/>
           </a:p>
@@ -1868,7 +1867,7 @@
           <a:p>
             <a:fld id="{6A49F1D1-51C8-EC4A-B541-75325EE3DD94}" type="datetimeFigureOut">
               <a:rPr lang="fr-FR" smtClean="0"/>
-              <a:t>08/04/2015</a:t>
+              <a:t>09/04/15</a:t>
             </a:fld>
             <a:endParaRPr lang="fr-FR"/>
           </a:p>
@@ -1910,7 +1909,7 @@
           <a:p>
             <a:fld id="{44BBB1E3-0415-8649-B848-17ED5064A7EB}" type="slidenum">
               <a:rPr lang="fr-FR" smtClean="0"/>
-              <a:t>‹N°›</a:t>
+              <a:t>‹#›</a:t>
             </a:fld>
             <a:endParaRPr lang="fr-FR"/>
           </a:p>
@@ -2290,7 +2289,7 @@
           <a:p>
             <a:fld id="{6A49F1D1-51C8-EC4A-B541-75325EE3DD94}" type="datetimeFigureOut">
               <a:rPr lang="fr-FR" smtClean="0"/>
-              <a:t>08/04/2015</a:t>
+              <a:t>09/04/15</a:t>
             </a:fld>
             <a:endParaRPr lang="fr-FR"/>
           </a:p>
@@ -2332,7 +2331,7 @@
           <a:p>
             <a:fld id="{44BBB1E3-0415-8649-B848-17ED5064A7EB}" type="slidenum">
               <a:rPr lang="fr-FR" smtClean="0"/>
-              <a:t>‹N°›</a:t>
+              <a:t>‹#›</a:t>
             </a:fld>
             <a:endParaRPr lang="fr-FR"/>
           </a:p>
@@ -2408,7 +2407,7 @@
           <a:p>
             <a:fld id="{6A49F1D1-51C8-EC4A-B541-75325EE3DD94}" type="datetimeFigureOut">
               <a:rPr lang="fr-FR" smtClean="0"/>
-              <a:t>08/04/2015</a:t>
+              <a:t>09/04/15</a:t>
             </a:fld>
             <a:endParaRPr lang="fr-FR"/>
           </a:p>
@@ -2450,7 +2449,7 @@
           <a:p>
             <a:fld id="{44BBB1E3-0415-8649-B848-17ED5064A7EB}" type="slidenum">
               <a:rPr lang="fr-FR" smtClean="0"/>
-              <a:t>‹N°›</a:t>
+              <a:t>‹#›</a:t>
             </a:fld>
             <a:endParaRPr lang="fr-FR"/>
           </a:p>
@@ -2503,7 +2502,7 @@
           <a:p>
             <a:fld id="{6A49F1D1-51C8-EC4A-B541-75325EE3DD94}" type="datetimeFigureOut">
               <a:rPr lang="fr-FR" smtClean="0"/>
-              <a:t>08/04/2015</a:t>
+              <a:t>09/04/15</a:t>
             </a:fld>
             <a:endParaRPr lang="fr-FR"/>
           </a:p>
@@ -2545,7 +2544,7 @@
           <a:p>
             <a:fld id="{44BBB1E3-0415-8649-B848-17ED5064A7EB}" type="slidenum">
               <a:rPr lang="fr-FR" smtClean="0"/>
-              <a:t>‹N°›</a:t>
+              <a:t>‹#›</a:t>
             </a:fld>
             <a:endParaRPr lang="fr-FR"/>
           </a:p>
@@ -2780,7 +2779,7 @@
           <a:p>
             <a:fld id="{6A49F1D1-51C8-EC4A-B541-75325EE3DD94}" type="datetimeFigureOut">
               <a:rPr lang="fr-FR" smtClean="0"/>
-              <a:t>08/04/2015</a:t>
+              <a:t>09/04/15</a:t>
             </a:fld>
             <a:endParaRPr lang="fr-FR"/>
           </a:p>
@@ -2822,7 +2821,7 @@
           <a:p>
             <a:fld id="{44BBB1E3-0415-8649-B848-17ED5064A7EB}" type="slidenum">
               <a:rPr lang="fr-FR" smtClean="0"/>
-              <a:t>‹N°›</a:t>
+              <a:t>‹#›</a:t>
             </a:fld>
             <a:endParaRPr lang="fr-FR"/>
           </a:p>
@@ -3033,7 +3032,7 @@
           <a:p>
             <a:fld id="{6A49F1D1-51C8-EC4A-B541-75325EE3DD94}" type="datetimeFigureOut">
               <a:rPr lang="fr-FR" smtClean="0"/>
-              <a:t>08/04/2015</a:t>
+              <a:t>09/04/15</a:t>
             </a:fld>
             <a:endParaRPr lang="fr-FR"/>
           </a:p>
@@ -3075,7 +3074,7 @@
           <a:p>
             <a:fld id="{44BBB1E3-0415-8649-B848-17ED5064A7EB}" type="slidenum">
               <a:rPr lang="fr-FR" smtClean="0"/>
-              <a:t>‹N°›</a:t>
+              <a:t>‹#›</a:t>
             </a:fld>
             <a:endParaRPr lang="fr-FR"/>
           </a:p>
@@ -3249,7 +3248,7 @@
           <a:p>
             <a:fld id="{6A49F1D1-51C8-EC4A-B541-75325EE3DD94}" type="datetimeFigureOut">
               <a:rPr lang="fr-FR" smtClean="0"/>
-              <a:t>08/04/2015</a:t>
+              <a:t>09/04/15</a:t>
             </a:fld>
             <a:endParaRPr lang="fr-FR"/>
           </a:p>
@@ -3327,7 +3326,7 @@
           <a:p>
             <a:fld id="{44BBB1E3-0415-8649-B848-17ED5064A7EB}" type="slidenum">
               <a:rPr lang="fr-FR" smtClean="0"/>
-              <a:t>‹N°›</a:t>
+              <a:t>‹#›</a:t>
             </a:fld>
             <a:endParaRPr lang="fr-FR"/>
           </a:p>
@@ -4023,6 +4022,13 @@
   <p:clrMapOvr>
     <a:masterClrMapping/>
   </p:clrMapOvr>
+  <p:timing>
+    <p:tnLst>
+      <p:par>
+        <p:cTn xmlns:p14="http://schemas.microsoft.com/office/powerpoint/2010/main" id="1" dur="indefinite" restart="never" nodeType="tmRoot"/>
+      </p:par>
+    </p:tnLst>
+  </p:timing>
 </p:sld>
 </file>
 
@@ -4043,16 +4049,52 @@
           <a:chExt cx="0" cy="0"/>
         </a:xfrm>
       </p:grpSpPr>
-      <p:sp>
-        <p:nvSpPr>
-          <p:cNvPr id="4" name="ZoneTexte 3"/>
+      <p:cxnSp>
+        <p:nvCxnSpPr>
+          <p:cNvPr id="8" name="Connecteur droit 7"/>
+          <p:cNvCxnSpPr/>
+          <p:nvPr/>
+        </p:nvCxnSpPr>
+        <p:spPr>
+          <a:xfrm>
+            <a:off x="0" y="1117600"/>
+            <a:ext cx="9144000" cy="0"/>
+          </a:xfrm>
+          <a:prstGeom prst="line">
+            <a:avLst/>
+          </a:prstGeom>
+          <a:ln>
+            <a:solidFill>
+              <a:srgbClr val="444444"/>
+            </a:solidFill>
+          </a:ln>
+          <a:effectLst/>
+        </p:spPr>
+        <p:style>
+          <a:lnRef idx="2">
+            <a:schemeClr val="accent1"/>
+          </a:lnRef>
+          <a:fillRef idx="0">
+            <a:schemeClr val="accent1"/>
+          </a:fillRef>
+          <a:effectRef idx="1">
+            <a:schemeClr val="accent1"/>
+          </a:effectRef>
+          <a:fontRef idx="minor">
+            <a:schemeClr val="tx1"/>
+          </a:fontRef>
+        </p:style>
+      </p:cxnSp>
+      <p:sp>
+        <p:nvSpPr>
+          <p:cNvPr id="13" name="ZoneTexte 12"/>
           <p:cNvSpPr txBox="1"/>
           <p:nvPr/>
         </p:nvSpPr>
         <p:spPr>
           <a:xfrm>
-            <a:off x="3238500" y="474990"/>
-            <a:ext cx="2806700" cy="707886"/>
+            <a:off x="3467100" y="302090"/>
+            <a:ext cx="5448300" cy="646331"/>
           </a:xfrm>
           <a:prstGeom prst="rect">
             <a:avLst/>
@@ -4065,15 +4107,88 @@
           </a:bodyPr>
           <a:lstStyle/>
           <a:p>
-            <a:r>
-              <a:rPr lang="fr-FR" sz="4000" dirty="0" smtClean="0">
+            <a:pPr algn="r"/>
+            <a:r>
+              <a:rPr lang="fr-FR" sz="3600" dirty="0" smtClean="0">
+                <a:solidFill>
+                  <a:srgbClr val="444444"/>
+                </a:solidFill>
+                <a:latin typeface="Mockup"/>
+                <a:cs typeface="Mockup"/>
+              </a:rPr>
+              <a:t>Présentation du concept</a:t>
+            </a:r>
+            <a:endParaRPr lang="fr-FR" sz="3600" dirty="0">
+              <a:solidFill>
+                <a:srgbClr val="444444"/>
+              </a:solidFill>
+              <a:latin typeface="Mockup"/>
+              <a:cs typeface="Mockup"/>
+            </a:endParaRPr>
+          </a:p>
+        </p:txBody>
+      </p:sp>
+      <p:pic>
+        <p:nvPicPr>
+          <p:cNvPr id="17" name="Image 16" descr="pres.png"/>
+          <p:cNvPicPr>
+            <a:picLocks noChangeAspect="1"/>
+          </p:cNvPicPr>
+          <p:nvPr/>
+        </p:nvPicPr>
+        <p:blipFill>
+          <a:blip r:embed="rId3">
+            <a:extLst>
+              <a:ext uri="{28A0092B-C50C-407E-A947-70E740481C1C}">
+                <a14:useLocalDpi xmlns:a14="http://schemas.microsoft.com/office/drawing/2010/main" val="0"/>
+              </a:ext>
+            </a:extLst>
+          </a:blip>
+          <a:stretch>
+            <a:fillRect/>
+          </a:stretch>
+        </p:blipFill>
+        <p:spPr>
+          <a:xfrm>
+            <a:off x="382309" y="717550"/>
+            <a:ext cx="840921" cy="800100"/>
+          </a:xfrm>
+          <a:prstGeom prst="rect">
+            <a:avLst/>
+          </a:prstGeom>
+        </p:spPr>
+      </p:pic>
+      <p:sp>
+        <p:nvSpPr>
+          <p:cNvPr id="23" name="ZoneTexte 22"/>
+          <p:cNvSpPr txBox="1"/>
+          <p:nvPr/>
+        </p:nvSpPr>
+        <p:spPr>
+          <a:xfrm>
+            <a:off x="8516862" y="5981700"/>
+            <a:ext cx="420608" cy="707886"/>
+          </a:xfrm>
+          <a:prstGeom prst="rect">
+            <a:avLst/>
+          </a:prstGeom>
+          <a:noFill/>
+        </p:spPr>
+        <p:txBody>
+          <a:bodyPr wrap="none" rtlCol="0">
+            <a:spAutoFit/>
+          </a:bodyPr>
+          <a:lstStyle/>
+          <a:p>
+            <a:r>
+              <a:rPr lang="fr-FR" sz="4000" dirty="0">
                 <a:solidFill>
                   <a:srgbClr val="444444"/>
                 </a:solidFill>
                 <a:latin typeface="Showcard Gothic"/>
                 <a:cs typeface="Showcard Gothic"/>
               </a:rPr>
-              <a:t>Sommaire</a:t>
+              <a:t>2</a:t>
             </a:r>
             <a:endParaRPr lang="fr-FR" sz="4000" dirty="0">
               <a:solidFill>
@@ -4087,191 +4202,14 @@
       </p:sp>
       <p:sp>
         <p:nvSpPr>
-          <p:cNvPr id="5" name="Rectangle à coins arrondis 4"/>
-          <p:cNvSpPr/>
-          <p:nvPr/>
-        </p:nvSpPr>
-        <p:spPr>
-          <a:xfrm>
-            <a:off x="2095500" y="2368550"/>
-            <a:ext cx="5041900" cy="698500"/>
-          </a:xfrm>
-          <a:prstGeom prst="roundRect">
-            <a:avLst/>
-          </a:prstGeom>
-          <a:solidFill>
-            <a:srgbClr val="F9F0AB"/>
-          </a:solidFill>
-          <a:ln w="3175" cmpd="sng">
-            <a:solidFill>
-              <a:srgbClr val="444444"/>
-            </a:solidFill>
-          </a:ln>
-          <a:effectLst/>
-        </p:spPr>
-        <p:style>
-          <a:lnRef idx="1">
-            <a:schemeClr val="accent1"/>
-          </a:lnRef>
-          <a:fillRef idx="3">
-            <a:schemeClr val="accent1"/>
-          </a:fillRef>
-          <a:effectRef idx="2">
-            <a:schemeClr val="accent1"/>
-          </a:effectRef>
-          <a:fontRef idx="minor">
-            <a:schemeClr val="lt1"/>
-          </a:fontRef>
-        </p:style>
-        <p:txBody>
-          <a:bodyPr rtlCol="0" anchor="ctr"/>
-          <a:lstStyle/>
-          <a:p>
-            <a:pPr algn="ctr"/>
-            <a:r>
-              <a:rPr lang="fr-FR" sz="3600" dirty="0" smtClean="0">
-                <a:solidFill>
-                  <a:srgbClr val="444444"/>
-                </a:solidFill>
-              </a:rPr>
-              <a:t>Concept</a:t>
-            </a:r>
-            <a:endParaRPr lang="fr-FR" sz="3600" dirty="0">
-              <a:solidFill>
-                <a:srgbClr val="444444"/>
-              </a:solidFill>
-            </a:endParaRPr>
-          </a:p>
-        </p:txBody>
-      </p:sp>
-      <p:sp>
-        <p:nvSpPr>
-          <p:cNvPr id="6" name="Rectangle à coins arrondis 5"/>
-          <p:cNvSpPr/>
-          <p:nvPr/>
-        </p:nvSpPr>
-        <p:spPr>
-          <a:xfrm>
-            <a:off x="2095500" y="3219450"/>
-            <a:ext cx="5041900" cy="698500"/>
-          </a:xfrm>
-          <a:prstGeom prst="roundRect">
-            <a:avLst/>
-          </a:prstGeom>
-          <a:solidFill>
-            <a:srgbClr val="F9B3BD"/>
-          </a:solidFill>
-          <a:ln w="3175" cmpd="sng">
-            <a:solidFill>
-              <a:srgbClr val="444444"/>
-            </a:solidFill>
-          </a:ln>
-          <a:effectLst/>
-        </p:spPr>
-        <p:style>
-          <a:lnRef idx="1">
-            <a:schemeClr val="accent1"/>
-          </a:lnRef>
-          <a:fillRef idx="3">
-            <a:schemeClr val="accent1"/>
-          </a:fillRef>
-          <a:effectRef idx="2">
-            <a:schemeClr val="accent1"/>
-          </a:effectRef>
-          <a:fontRef idx="minor">
-            <a:schemeClr val="lt1"/>
-          </a:fontRef>
-        </p:style>
-        <p:txBody>
-          <a:bodyPr rtlCol="0" anchor="ctr"/>
-          <a:lstStyle/>
-          <a:p>
-            <a:pPr algn="ctr"/>
-            <a:r>
-              <a:rPr lang="fr-FR" sz="3600" dirty="0" smtClean="0">
-                <a:solidFill>
-                  <a:srgbClr val="444444"/>
-                </a:solidFill>
-              </a:rPr>
-              <a:t>Démonstration</a:t>
-            </a:r>
-            <a:endParaRPr lang="fr-FR" sz="3600" dirty="0">
-              <a:solidFill>
-                <a:srgbClr val="444444"/>
-              </a:solidFill>
-            </a:endParaRPr>
-          </a:p>
-        </p:txBody>
-      </p:sp>
-      <p:sp>
-        <p:nvSpPr>
-          <p:cNvPr id="7" name="Rectangle à coins arrondis 6"/>
-          <p:cNvSpPr/>
-          <p:nvPr/>
-        </p:nvSpPr>
-        <p:spPr>
-          <a:xfrm>
-            <a:off x="2095500" y="4070350"/>
-            <a:ext cx="5041900" cy="698500"/>
-          </a:xfrm>
-          <a:prstGeom prst="roundRect">
-            <a:avLst/>
-          </a:prstGeom>
-          <a:solidFill>
-            <a:srgbClr val="A0D6C6"/>
-          </a:solidFill>
-          <a:ln w="3175" cmpd="sng">
-            <a:solidFill>
-              <a:srgbClr val="444444"/>
-            </a:solidFill>
-          </a:ln>
-          <a:effectLst/>
-        </p:spPr>
-        <p:style>
-          <a:lnRef idx="1">
-            <a:schemeClr val="accent1"/>
-          </a:lnRef>
-          <a:fillRef idx="3">
-            <a:schemeClr val="accent1"/>
-          </a:fillRef>
-          <a:effectRef idx="2">
-            <a:schemeClr val="accent1"/>
-          </a:effectRef>
-          <a:fontRef idx="minor">
-            <a:schemeClr val="lt1"/>
-          </a:fontRef>
-        </p:style>
-        <p:txBody>
-          <a:bodyPr rtlCol="0" anchor="ctr"/>
-          <a:lstStyle/>
-          <a:p>
-            <a:pPr algn="ctr"/>
-            <a:r>
-              <a:rPr lang="fr-FR" sz="3600" dirty="0" smtClean="0">
-                <a:solidFill>
-                  <a:srgbClr val="444444"/>
-                </a:solidFill>
-              </a:rPr>
-              <a:t>Utilisabilité</a:t>
-            </a:r>
-            <a:endParaRPr lang="fr-FR" sz="3600" dirty="0">
-              <a:solidFill>
-                <a:srgbClr val="444444"/>
-              </a:solidFill>
-            </a:endParaRPr>
-          </a:p>
-        </p:txBody>
-      </p:sp>
-      <p:sp>
-        <p:nvSpPr>
-          <p:cNvPr id="9" name="ZoneTexte 8"/>
+          <p:cNvPr id="24" name="ZoneTexte 23"/>
           <p:cNvSpPr txBox="1"/>
           <p:nvPr/>
         </p:nvSpPr>
         <p:spPr>
           <a:xfrm>
-            <a:off x="8516862" y="5981700"/>
-            <a:ext cx="436638" cy="707886"/>
+            <a:off x="482600" y="1809750"/>
+            <a:ext cx="8166100" cy="2862323"/>
           </a:xfrm>
           <a:prstGeom prst="rect">
             <a:avLst/>
@@ -4279,41 +4217,173 @@
           <a:noFill/>
         </p:spPr>
         <p:txBody>
-          <a:bodyPr wrap="none" rtlCol="0">
+          <a:bodyPr wrap="square" rtlCol="0">
             <a:spAutoFit/>
           </a:bodyPr>
           <a:lstStyle/>
           <a:p>
-            <a:r>
-              <a:rPr lang="fr-FR" sz="4000" dirty="0" smtClean="0">
-                <a:solidFill>
-                  <a:srgbClr val="444444"/>
-                </a:solidFill>
-                <a:latin typeface="Showcard Gothic"/>
-                <a:cs typeface="Showcard Gothic"/>
-              </a:rPr>
-              <a:t>2</a:t>
-            </a:r>
-            <a:endParaRPr lang="fr-FR" sz="4000" dirty="0">
-              <a:solidFill>
-                <a:srgbClr val="444444"/>
-              </a:solidFill>
-              <a:latin typeface="Showcard Gothic"/>
-              <a:cs typeface="Showcard Gothic"/>
-            </a:endParaRPr>
+            <a:pPr marL="285750" indent="-285750">
+              <a:buFont typeface="Courier New"/>
+              <a:buChar char="o"/>
+            </a:pPr>
+            <a:endParaRPr lang="fr-FR" dirty="0" smtClean="0"/>
+          </a:p>
+          <a:p>
+            <a:pPr marL="285750" indent="-285750">
+              <a:buFont typeface="Courier New"/>
+              <a:buChar char="o"/>
+            </a:pPr>
+            <a:r>
+              <a:rPr lang="fr-FR" dirty="0" smtClean="0"/>
+              <a:t>Application mobile d’échange et de communication entre </a:t>
+            </a:r>
+            <a:r>
+              <a:rPr lang="fr-FR" b="1" dirty="0" smtClean="0"/>
+              <a:t>utilisateurs éloignés </a:t>
+            </a:r>
+          </a:p>
+          <a:p>
+            <a:pPr marL="285750" indent="-285750">
+              <a:buFont typeface="Courier New"/>
+              <a:buChar char="o"/>
+            </a:pPr>
+            <a:endParaRPr lang="fr-FR" dirty="0" smtClean="0"/>
+          </a:p>
+          <a:p>
+            <a:pPr marL="285750" indent="-285750">
+              <a:buFont typeface="Courier New"/>
+              <a:buChar char="o"/>
+            </a:pPr>
+            <a:r>
+              <a:rPr lang="fr-FR" dirty="0" smtClean="0"/>
+              <a:t>Rassembler </a:t>
+            </a:r>
+            <a:r>
+              <a:rPr lang="fr-FR" dirty="0"/>
+              <a:t>les </a:t>
+            </a:r>
+            <a:r>
+              <a:rPr lang="fr-FR" dirty="0" smtClean="0"/>
+              <a:t>systèmes existants (</a:t>
+            </a:r>
+            <a:r>
+              <a:rPr lang="fr-FR" dirty="0"/>
+              <a:t>S</a:t>
+            </a:r>
+            <a:r>
+              <a:rPr lang="fr-FR" dirty="0" smtClean="0"/>
+              <a:t>kype, Facebook,..) </a:t>
+            </a:r>
+            <a:r>
+              <a:rPr lang="fr-FR" dirty="0"/>
+              <a:t>en </a:t>
+            </a:r>
+            <a:r>
+              <a:rPr lang="fr-FR" b="1" dirty="0"/>
+              <a:t>une seule </a:t>
+            </a:r>
+            <a:r>
+              <a:rPr lang="fr-FR" b="1" dirty="0" smtClean="0"/>
+              <a:t>applicatio</a:t>
+            </a:r>
+            <a:r>
+              <a:rPr lang="fr-FR" dirty="0"/>
+              <a:t>n</a:t>
+            </a:r>
+            <a:endParaRPr lang="fr-FR" dirty="0" smtClean="0"/>
+          </a:p>
+          <a:p>
+            <a:pPr marL="285750" indent="-285750">
+              <a:buFont typeface="Courier New"/>
+              <a:buChar char="o"/>
+            </a:pPr>
+            <a:endParaRPr lang="fr-FR" dirty="0"/>
+          </a:p>
+          <a:p>
+            <a:pPr marL="285750" indent="-285750">
+              <a:buFont typeface="Courier New"/>
+              <a:buChar char="o"/>
+            </a:pPr>
+            <a:r>
+              <a:rPr lang="fr-FR" b="1" dirty="0" smtClean="0"/>
+              <a:t>Communication</a:t>
+            </a:r>
+            <a:r>
+              <a:rPr lang="fr-FR" dirty="0" smtClean="0"/>
+              <a:t> textuelle, vocale et visuelle</a:t>
+            </a:r>
+            <a:endParaRPr lang="fr-FR" dirty="0"/>
+          </a:p>
+          <a:p>
+            <a:endParaRPr lang="fr-FR" dirty="0" smtClean="0"/>
+          </a:p>
+          <a:p>
+            <a:pPr marL="285750" indent="-285750">
+              <a:buFont typeface="Courier New"/>
+              <a:buChar char="o"/>
+            </a:pPr>
+            <a:r>
+              <a:rPr lang="fr-FR" dirty="0"/>
+              <a:t>4</a:t>
+            </a:r>
+            <a:r>
+              <a:rPr lang="fr-FR" dirty="0" smtClean="0"/>
+              <a:t> fonctionnalités d’</a:t>
+            </a:r>
+            <a:r>
+              <a:rPr lang="fr-FR" b="1" dirty="0" smtClean="0"/>
+              <a:t>échange de données </a:t>
+            </a:r>
+            <a:r>
+              <a:rPr lang="fr-FR" dirty="0" smtClean="0"/>
+              <a:t>: Photos, Calendrier, Dépenses, Carte </a:t>
+            </a:r>
+          </a:p>
+          <a:p>
+            <a:pPr marL="285750" indent="-285750">
+              <a:buFont typeface="Courier New"/>
+              <a:buChar char="o"/>
+            </a:pPr>
+            <a:endParaRPr lang="fr-FR" dirty="0"/>
+          </a:p>
+          <a:p>
+            <a:pPr marL="285750" indent="-285750">
+              <a:buFont typeface="Courier New"/>
+              <a:buChar char="o"/>
+            </a:pPr>
+            <a:r>
+              <a:rPr lang="fr-FR" dirty="0" smtClean="0"/>
+              <a:t>Fonctionnement en « </a:t>
+            </a:r>
+            <a:r>
+              <a:rPr lang="fr-FR" b="1" dirty="0" smtClean="0"/>
+              <a:t>réseau</a:t>
+            </a:r>
+            <a:r>
+              <a:rPr lang="fr-FR" dirty="0" smtClean="0"/>
+              <a:t> » avec des contacts et des listes de partage</a:t>
+            </a:r>
+            <a:endParaRPr lang="fr-FR" dirty="0"/>
           </a:p>
         </p:txBody>
       </p:sp>
     </p:spTree>
     <p:extLst>
       <p:ext uri="{BB962C8B-B14F-4D97-AF65-F5344CB8AC3E}">
-        <p14:creationId xmlns:p14="http://schemas.microsoft.com/office/powerpoint/2010/main" val="459171477"/>
+        <p14:creationId xmlns:p14="http://schemas.microsoft.com/office/powerpoint/2010/main" val="2745769487"/>
       </p:ext>
     </p:extLst>
   </p:cSld>
   <p:clrMapOvr>
     <a:masterClrMapping/>
   </p:clrMapOvr>
+  <p:timing>
+    <p:tnLst>
+      <p:par>
+        <p:cTn xmlns:p14="http://schemas.microsoft.com/office/powerpoint/2010/main" id="1" dur="indefinite" restart="never" nodeType="tmRoot"/>
+      </p:par>
+    </p:tnLst>
+  </p:timing>
 </p:sld>
 </file>
 
@@ -4401,7 +4471,7 @@
                 <a:latin typeface="Mockup"/>
                 <a:cs typeface="Mockup"/>
               </a:rPr>
-              <a:t>Présentation du concept</a:t>
+              <a:t>Démonstration</a:t>
             </a:r>
             <a:endParaRPr lang="fr-FR" sz="3600" dirty="0">
               <a:solidFill>
@@ -4415,7 +4485,79 @@
       </p:sp>
       <p:pic>
         <p:nvPicPr>
-          <p:cNvPr id="17" name="Image 16" descr="pres.png"/>
+          <p:cNvPr id="16" name="Image 15" descr="dem.png"/>
+          <p:cNvPicPr>
+            <a:picLocks noChangeAspect="1"/>
+          </p:cNvPicPr>
+          <p:nvPr/>
+        </p:nvPicPr>
+        <p:blipFill>
+          <a:blip r:embed="rId2">
+            <a:extLst>
+              <a:ext uri="{28A0092B-C50C-407E-A947-70E740481C1C}">
+                <a14:useLocalDpi xmlns:a14="http://schemas.microsoft.com/office/drawing/2010/main" val="0"/>
+              </a:ext>
+            </a:extLst>
+          </a:blip>
+          <a:stretch>
+            <a:fillRect/>
+          </a:stretch>
+        </p:blipFill>
+        <p:spPr>
+          <a:xfrm>
+            <a:off x="219530" y="717550"/>
+            <a:ext cx="840921" cy="800100"/>
+          </a:xfrm>
+          <a:prstGeom prst="rect">
+            <a:avLst/>
+          </a:prstGeom>
+        </p:spPr>
+      </p:pic>
+      <p:sp>
+        <p:nvSpPr>
+          <p:cNvPr id="9" name="ZoneTexte 8"/>
+          <p:cNvSpPr txBox="1"/>
+          <p:nvPr/>
+        </p:nvSpPr>
+        <p:spPr>
+          <a:xfrm>
+            <a:off x="8516862" y="5969000"/>
+            <a:ext cx="479618" cy="707886"/>
+          </a:xfrm>
+          <a:prstGeom prst="rect">
+            <a:avLst/>
+          </a:prstGeom>
+          <a:noFill/>
+        </p:spPr>
+        <p:txBody>
+          <a:bodyPr wrap="none" rtlCol="0">
+            <a:spAutoFit/>
+          </a:bodyPr>
+          <a:lstStyle/>
+          <a:p>
+            <a:r>
+              <a:rPr lang="fr-FR" sz="4000" dirty="0" smtClean="0">
+                <a:solidFill>
+                  <a:srgbClr val="444444"/>
+                </a:solidFill>
+                <a:latin typeface="Showcard Gothic"/>
+                <a:cs typeface="Showcard Gothic"/>
+              </a:rPr>
+              <a:t>4</a:t>
+            </a:r>
+            <a:endParaRPr lang="fr-FR" sz="4000" dirty="0">
+              <a:solidFill>
+                <a:srgbClr val="444444"/>
+              </a:solidFill>
+              <a:latin typeface="Showcard Gothic"/>
+              <a:cs typeface="Showcard Gothic"/>
+            </a:endParaRPr>
+          </a:p>
+        </p:txBody>
+      </p:sp>
+      <p:pic>
+        <p:nvPicPr>
+          <p:cNvPr id="2" name="Image 1" descr="accu.tiff"/>
           <p:cNvPicPr>
             <a:picLocks noChangeAspect="1"/>
           </p:cNvPicPr>
@@ -4435,233 +4577,36 @@
         </p:blipFill>
         <p:spPr>
           <a:xfrm>
-            <a:off x="382309" y="717550"/>
-            <a:ext cx="840921" cy="800100"/>
+            <a:off x="2336800" y="1517650"/>
+            <a:ext cx="4254500" cy="4624457"/>
           </a:xfrm>
           <a:prstGeom prst="rect">
             <a:avLst/>
           </a:prstGeom>
+          <a:ln>
+            <a:solidFill>
+              <a:srgbClr val="444444"/>
+            </a:solidFill>
+          </a:ln>
         </p:spPr>
       </p:pic>
-      <p:sp>
-        <p:nvSpPr>
-          <p:cNvPr id="23" name="ZoneTexte 22"/>
-          <p:cNvSpPr txBox="1"/>
-          <p:nvPr/>
-        </p:nvSpPr>
-        <p:spPr>
-          <a:xfrm>
-            <a:off x="8516862" y="5981700"/>
-            <a:ext cx="436638" cy="707886"/>
-          </a:xfrm>
-          <a:prstGeom prst="rect">
-            <a:avLst/>
-          </a:prstGeom>
-          <a:noFill/>
-        </p:spPr>
-        <p:txBody>
-          <a:bodyPr wrap="none" rtlCol="0">
-            <a:spAutoFit/>
-          </a:bodyPr>
-          <a:lstStyle/>
-          <a:p>
-            <a:r>
-              <a:rPr lang="fr-FR" sz="4000" dirty="0" smtClean="0">
-                <a:solidFill>
-                  <a:srgbClr val="444444"/>
-                </a:solidFill>
-                <a:latin typeface="Showcard Gothic"/>
-                <a:cs typeface="Showcard Gothic"/>
-              </a:rPr>
-              <a:t>3</a:t>
-            </a:r>
-            <a:endParaRPr lang="fr-FR" sz="4000" dirty="0">
-              <a:solidFill>
-                <a:srgbClr val="444444"/>
-              </a:solidFill>
-              <a:latin typeface="Showcard Gothic"/>
-              <a:cs typeface="Showcard Gothic"/>
-            </a:endParaRPr>
-          </a:p>
-        </p:txBody>
-      </p:sp>
-      <p:sp>
-        <p:nvSpPr>
-          <p:cNvPr id="24" name="ZoneTexte 23"/>
-          <p:cNvSpPr txBox="1"/>
-          <p:nvPr/>
-        </p:nvSpPr>
-        <p:spPr>
-          <a:xfrm>
-            <a:off x="482600" y="1809750"/>
-            <a:ext cx="8166100" cy="2862323"/>
-          </a:xfrm>
-          <a:prstGeom prst="rect">
-            <a:avLst/>
-          </a:prstGeom>
-          <a:noFill/>
-        </p:spPr>
-        <p:txBody>
-          <a:bodyPr wrap="square" rtlCol="0">
-            <a:spAutoFit/>
-          </a:bodyPr>
-          <a:lstStyle/>
-          <a:p>
-            <a:pPr marL="285750" indent="-285750">
-              <a:buFont typeface="Courier New"/>
-              <a:buChar char="o"/>
-            </a:pPr>
-            <a:endParaRPr lang="fr-FR" dirty="0" smtClean="0"/>
-          </a:p>
-          <a:p>
-            <a:pPr marL="285750" indent="-285750">
-              <a:buFont typeface="Courier New"/>
-              <a:buChar char="o"/>
-            </a:pPr>
-            <a:r>
-              <a:rPr lang="fr-FR" dirty="0" smtClean="0"/>
-              <a:t>Application mobile d’échange et de communication entre </a:t>
-            </a:r>
-            <a:r>
-              <a:rPr lang="fr-FR" b="1" dirty="0" smtClean="0"/>
-              <a:t>utilisateurs éloignés </a:t>
-            </a:r>
-          </a:p>
-          <a:p>
-            <a:pPr marL="285750" indent="-285750">
-              <a:buFont typeface="Courier New"/>
-              <a:buChar char="o"/>
-            </a:pPr>
-            <a:endParaRPr lang="fr-FR" dirty="0" smtClean="0"/>
-          </a:p>
-          <a:p>
-            <a:pPr marL="285750" indent="-285750">
-              <a:buFont typeface="Courier New"/>
-              <a:buChar char="o"/>
-            </a:pPr>
-            <a:r>
-              <a:rPr lang="fr-FR" dirty="0" smtClean="0"/>
-              <a:t>Rassembler </a:t>
-            </a:r>
-            <a:r>
-              <a:rPr lang="fr-FR" dirty="0"/>
-              <a:t>les </a:t>
-            </a:r>
-            <a:r>
-              <a:rPr lang="fr-FR" dirty="0" smtClean="0"/>
-              <a:t>systèmes existants (</a:t>
-            </a:r>
-            <a:r>
-              <a:rPr lang="fr-FR" dirty="0"/>
-              <a:t>S</a:t>
-            </a:r>
-            <a:r>
-              <a:rPr lang="fr-FR" dirty="0" smtClean="0"/>
-              <a:t>kype, Facebook,..) </a:t>
-            </a:r>
-            <a:r>
-              <a:rPr lang="fr-FR" dirty="0"/>
-              <a:t>en </a:t>
-            </a:r>
-            <a:r>
-              <a:rPr lang="fr-FR" b="1" dirty="0"/>
-              <a:t>une seule </a:t>
-            </a:r>
-            <a:r>
-              <a:rPr lang="fr-FR" b="1" dirty="0" smtClean="0"/>
-              <a:t>applicatio</a:t>
-            </a:r>
-            <a:r>
-              <a:rPr lang="fr-FR" dirty="0"/>
-              <a:t>n</a:t>
-            </a:r>
-            <a:endParaRPr lang="fr-FR" dirty="0" smtClean="0"/>
-          </a:p>
-          <a:p>
-            <a:pPr marL="285750" indent="-285750">
-              <a:buFont typeface="Courier New"/>
-              <a:buChar char="o"/>
-            </a:pPr>
-            <a:endParaRPr lang="fr-FR" dirty="0"/>
-          </a:p>
-          <a:p>
-            <a:pPr marL="285750" indent="-285750">
-              <a:buFont typeface="Courier New"/>
-              <a:buChar char="o"/>
-            </a:pPr>
-            <a:r>
-              <a:rPr lang="fr-FR" b="1" dirty="0" smtClean="0"/>
-              <a:t>Communication</a:t>
-            </a:r>
-            <a:r>
-              <a:rPr lang="fr-FR" dirty="0" smtClean="0"/>
-              <a:t> textuelle, vocale et visuelle</a:t>
-            </a:r>
-            <a:endParaRPr lang="fr-FR" dirty="0"/>
-          </a:p>
-          <a:p>
-            <a:endParaRPr lang="fr-FR" dirty="0" smtClean="0"/>
-          </a:p>
-          <a:p>
-            <a:pPr marL="285750" indent="-285750">
-              <a:buFont typeface="Courier New"/>
-              <a:buChar char="o"/>
-            </a:pPr>
-            <a:r>
-              <a:rPr lang="fr-FR" dirty="0"/>
-              <a:t>4</a:t>
-            </a:r>
-            <a:r>
-              <a:rPr lang="fr-FR" dirty="0" smtClean="0"/>
-              <a:t> fonctionnalités d’</a:t>
-            </a:r>
-            <a:r>
-              <a:rPr lang="fr-FR" b="1" dirty="0" smtClean="0"/>
-              <a:t>échange de données </a:t>
-            </a:r>
-            <a:r>
-              <a:rPr lang="fr-FR" dirty="0" smtClean="0"/>
-              <a:t>: Photos, Calendrier, Dépenses, Carte </a:t>
-            </a:r>
-          </a:p>
-          <a:p>
-            <a:pPr marL="285750" indent="-285750">
-              <a:buFont typeface="Courier New"/>
-              <a:buChar char="o"/>
-            </a:pPr>
-            <a:endParaRPr lang="fr-FR" dirty="0"/>
-          </a:p>
-          <a:p>
-            <a:pPr marL="285750" indent="-285750">
-              <a:buFont typeface="Courier New"/>
-              <a:buChar char="o"/>
-            </a:pPr>
-            <a:r>
-              <a:rPr lang="fr-FR" dirty="0" smtClean="0"/>
-              <a:t>Fonctionnement en « </a:t>
-            </a:r>
-            <a:r>
-              <a:rPr lang="fr-FR" b="1" dirty="0" smtClean="0"/>
-              <a:t>réseau</a:t>
-            </a:r>
-            <a:r>
-              <a:rPr lang="fr-FR" dirty="0" smtClean="0"/>
-              <a:t> » avec des contacts et des listes de partage</a:t>
-            </a:r>
-            <a:endParaRPr lang="fr-FR" dirty="0"/>
-          </a:p>
-        </p:txBody>
-      </p:sp>
     </p:spTree>
     <p:extLst>
       <p:ext uri="{BB962C8B-B14F-4D97-AF65-F5344CB8AC3E}">
-        <p14:creationId xmlns:p14="http://schemas.microsoft.com/office/powerpoint/2010/main" val="2745769487"/>
+        <p14:creationId xmlns:p14="http://schemas.microsoft.com/office/powerpoint/2010/main" val="1665065403"/>
       </p:ext>
     </p:extLst>
   </p:cSld>
   <p:clrMapOvr>
     <a:masterClrMapping/>
   </p:clrMapOvr>
+  <p:timing>
+    <p:tnLst>
+      <p:par>
+        <p:cTn xmlns:p14="http://schemas.microsoft.com/office/powerpoint/2010/main" id="1" dur="indefinite" restart="never" nodeType="tmRoot"/>
+      </p:par>
+    </p:tnLst>
+  </p:timing>
 </p:sld>
 </file>
 
@@ -4726,222 +4671,6 @@
         </p:nvSpPr>
         <p:spPr>
           <a:xfrm>
-            <a:off x="3467100" y="302090"/>
-            <a:ext cx="5448300" cy="646331"/>
-          </a:xfrm>
-          <a:prstGeom prst="rect">
-            <a:avLst/>
-          </a:prstGeom>
-          <a:noFill/>
-        </p:spPr>
-        <p:txBody>
-          <a:bodyPr wrap="square" rtlCol="0">
-            <a:spAutoFit/>
-          </a:bodyPr>
-          <a:lstStyle/>
-          <a:p>
-            <a:pPr algn="r"/>
-            <a:r>
-              <a:rPr lang="fr-FR" sz="3600" dirty="0" smtClean="0">
-                <a:solidFill>
-                  <a:srgbClr val="444444"/>
-                </a:solidFill>
-                <a:latin typeface="Mockup"/>
-                <a:cs typeface="Mockup"/>
-              </a:rPr>
-              <a:t>Démonstration</a:t>
-            </a:r>
-            <a:endParaRPr lang="fr-FR" sz="3600" dirty="0">
-              <a:solidFill>
-                <a:srgbClr val="444444"/>
-              </a:solidFill>
-              <a:latin typeface="Mockup"/>
-              <a:cs typeface="Mockup"/>
-            </a:endParaRPr>
-          </a:p>
-        </p:txBody>
-      </p:sp>
-      <p:pic>
-        <p:nvPicPr>
-          <p:cNvPr id="16" name="Image 15" descr="dem.png"/>
-          <p:cNvPicPr>
-            <a:picLocks noChangeAspect="1"/>
-          </p:cNvPicPr>
-          <p:nvPr/>
-        </p:nvPicPr>
-        <p:blipFill>
-          <a:blip r:embed="rId2">
-            <a:extLst>
-              <a:ext uri="{28A0092B-C50C-407E-A947-70E740481C1C}">
-                <a14:useLocalDpi xmlns:a14="http://schemas.microsoft.com/office/drawing/2010/main" val="0"/>
-              </a:ext>
-            </a:extLst>
-          </a:blip>
-          <a:stretch>
-            <a:fillRect/>
-          </a:stretch>
-        </p:blipFill>
-        <p:spPr>
-          <a:xfrm>
-            <a:off x="219530" y="717550"/>
-            <a:ext cx="840921" cy="800100"/>
-          </a:xfrm>
-          <a:prstGeom prst="rect">
-            <a:avLst/>
-          </a:prstGeom>
-        </p:spPr>
-      </p:pic>
-      <p:sp>
-        <p:nvSpPr>
-          <p:cNvPr id="9" name="ZoneTexte 8"/>
-          <p:cNvSpPr txBox="1"/>
-          <p:nvPr/>
-        </p:nvSpPr>
-        <p:spPr>
-          <a:xfrm>
-            <a:off x="8516862" y="5969000"/>
-            <a:ext cx="479618" cy="707886"/>
-          </a:xfrm>
-          <a:prstGeom prst="rect">
-            <a:avLst/>
-          </a:prstGeom>
-          <a:noFill/>
-        </p:spPr>
-        <p:txBody>
-          <a:bodyPr wrap="none" rtlCol="0">
-            <a:spAutoFit/>
-          </a:bodyPr>
-          <a:lstStyle/>
-          <a:p>
-            <a:r>
-              <a:rPr lang="fr-FR" sz="4000" dirty="0" smtClean="0">
-                <a:solidFill>
-                  <a:srgbClr val="444444"/>
-                </a:solidFill>
-                <a:latin typeface="Showcard Gothic"/>
-                <a:cs typeface="Showcard Gothic"/>
-              </a:rPr>
-              <a:t>4</a:t>
-            </a:r>
-            <a:endParaRPr lang="fr-FR" sz="4000" dirty="0">
-              <a:solidFill>
-                <a:srgbClr val="444444"/>
-              </a:solidFill>
-              <a:latin typeface="Showcard Gothic"/>
-              <a:cs typeface="Showcard Gothic"/>
-            </a:endParaRPr>
-          </a:p>
-        </p:txBody>
-      </p:sp>
-      <p:pic>
-        <p:nvPicPr>
-          <p:cNvPr id="2" name="Image 1" descr="accu.tiff"/>
-          <p:cNvPicPr>
-            <a:picLocks noChangeAspect="1"/>
-          </p:cNvPicPr>
-          <p:nvPr/>
-        </p:nvPicPr>
-        <p:blipFill>
-          <a:blip r:embed="rId3">
-            <a:extLst>
-              <a:ext uri="{28A0092B-C50C-407E-A947-70E740481C1C}">
-                <a14:useLocalDpi xmlns:a14="http://schemas.microsoft.com/office/drawing/2010/main" val="0"/>
-              </a:ext>
-            </a:extLst>
-          </a:blip>
-          <a:stretch>
-            <a:fillRect/>
-          </a:stretch>
-        </p:blipFill>
-        <p:spPr>
-          <a:xfrm>
-            <a:off x="2336800" y="1517650"/>
-            <a:ext cx="4254500" cy="4624457"/>
-          </a:xfrm>
-          <a:prstGeom prst="rect">
-            <a:avLst/>
-          </a:prstGeom>
-          <a:ln>
-            <a:solidFill>
-              <a:srgbClr val="444444"/>
-            </a:solidFill>
-          </a:ln>
-        </p:spPr>
-      </p:pic>
-    </p:spTree>
-    <p:extLst>
-      <p:ext uri="{BB962C8B-B14F-4D97-AF65-F5344CB8AC3E}">
-        <p14:creationId xmlns:p14="http://schemas.microsoft.com/office/powerpoint/2010/main" val="1665065403"/>
-      </p:ext>
-    </p:extLst>
-  </p:cSld>
-  <p:clrMapOvr>
-    <a:masterClrMapping/>
-  </p:clrMapOvr>
-</p:sld>
-</file>
-
-<file path=ppt/slides/slide5.xml><?xml version="1.0" encoding="utf-8"?>
-<p:sld xmlns:a="http://schemas.openxmlformats.org/drawingml/2006/main" xmlns:r="http://schemas.openxmlformats.org/officeDocument/2006/relationships" xmlns:p="http://schemas.openxmlformats.org/presentationml/2006/main">
-  <p:cSld>
-    <p:spTree>
-      <p:nvGrpSpPr>
-        <p:cNvPr id="1" name=""/>
-        <p:cNvGrpSpPr/>
-        <p:nvPr/>
-      </p:nvGrpSpPr>
-      <p:grpSpPr>
-        <a:xfrm>
-          <a:off x="0" y="0"/>
-          <a:ext cx="0" cy="0"/>
-          <a:chOff x="0" y="0"/>
-          <a:chExt cx="0" cy="0"/>
-        </a:xfrm>
-      </p:grpSpPr>
-      <p:cxnSp>
-        <p:nvCxnSpPr>
-          <p:cNvPr id="8" name="Connecteur droit 7"/>
-          <p:cNvCxnSpPr/>
-          <p:nvPr/>
-        </p:nvCxnSpPr>
-        <p:spPr>
-          <a:xfrm>
-            <a:off x="0" y="1117600"/>
-            <a:ext cx="9144000" cy="0"/>
-          </a:xfrm>
-          <a:prstGeom prst="line">
-            <a:avLst/>
-          </a:prstGeom>
-          <a:ln>
-            <a:solidFill>
-              <a:srgbClr val="444444"/>
-            </a:solidFill>
-          </a:ln>
-          <a:effectLst/>
-        </p:spPr>
-        <p:style>
-          <a:lnRef idx="2">
-            <a:schemeClr val="accent1"/>
-          </a:lnRef>
-          <a:fillRef idx="0">
-            <a:schemeClr val="accent1"/>
-          </a:fillRef>
-          <a:effectRef idx="1">
-            <a:schemeClr val="accent1"/>
-          </a:effectRef>
-          <a:fontRef idx="minor">
-            <a:schemeClr val="tx1"/>
-          </a:fontRef>
-        </p:style>
-      </p:cxnSp>
-      <p:sp>
-        <p:nvSpPr>
-          <p:cNvPr id="13" name="ZoneTexte 12"/>
-          <p:cNvSpPr txBox="1"/>
-          <p:nvPr/>
-        </p:nvSpPr>
-        <p:spPr>
-          <a:xfrm>
             <a:off x="3035300" y="302090"/>
             <a:ext cx="5880100" cy="646331"/>
           </a:xfrm>
@@ -5051,7 +4780,7 @@
         <p:spPr>
           <a:xfrm>
             <a:off x="482600" y="1809750"/>
-            <a:ext cx="8166100" cy="3693319"/>
+            <a:ext cx="8166100" cy="3970318"/>
           </a:xfrm>
           <a:prstGeom prst="rect">
             <a:avLst/>
@@ -5154,20 +4883,14 @@
             </a:r>
             <a:r>
               <a:rPr lang="fr-FR" dirty="0" smtClean="0"/>
-              <a:t>: Changement de fonctionnalité possible </a:t>
-            </a:r>
-            <a:r>
-              <a:rPr lang="fr-FR" smtClean="0"/>
-              <a:t>et rapide sur </a:t>
-            </a:r>
-            <a:r>
-              <a:rPr lang="fr-FR" dirty="0" smtClean="0"/>
-              <a:t>chaque </a:t>
+              <a:t>: Changement de fonctionnalité possible et rapide sur chaque </a:t>
             </a:r>
             <a:r>
               <a:rPr lang="fr-FR" dirty="0" smtClean="0"/>
               <a:t>fenêtre</a:t>
             </a:r>
+          </a:p>
+          <a:p>
             <a:endParaRPr lang="fr-FR" b="1" dirty="0" smtClean="0"/>
           </a:p>
           <a:p>
@@ -5204,10 +4927,17 @@
   <p:clrMapOvr>
     <a:masterClrMapping/>
   </p:clrMapOvr>
+  <p:timing>
+    <p:tnLst>
+      <p:par>
+        <p:cTn xmlns:p14="http://schemas.microsoft.com/office/powerpoint/2010/main" id="1" dur="indefinite" restart="never" nodeType="tmRoot"/>
+      </p:par>
+    </p:tnLst>
+  </p:timing>
 </p:sld>
 </file>
 
-<file path=ppt/slides/slide6.xml><?xml version="1.0" encoding="utf-8"?>
+<file path=ppt/slides/slide5.xml><?xml version="1.0" encoding="utf-8"?>
 <p:sld xmlns:a="http://schemas.openxmlformats.org/drawingml/2006/main" xmlns:r="http://schemas.openxmlformats.org/officeDocument/2006/relationships" xmlns:p="http://schemas.openxmlformats.org/presentationml/2006/main">
   <p:cSld>
     <p:spTree>
@@ -5486,6 +5216,13 @@
   <p:clrMapOvr>
     <a:masterClrMapping/>
   </p:clrMapOvr>
+  <p:timing>
+    <p:tnLst>
+      <p:par>
+        <p:cTn xmlns:p14="http://schemas.microsoft.com/office/powerpoint/2010/main" id="1" dur="indefinite" restart="never" nodeType="tmRoot"/>
+      </p:par>
+    </p:tnLst>
+  </p:timing>
 </p:sld>
 </file>
 
